--- a/outputs/07_diversity_partitioning/schema_partition.pptx
+++ b/outputs/07_diversity_partitioning/schema_partition.pptx
@@ -6,7 +6,8 @@
   </p:sldMasterIdLst>
   <p:sldIdLst>
     <p:sldId id="256" r:id="rId2"/>
-    <p:sldId id="257" r:id="rId3"/>
+    <p:sldId id="258" r:id="rId3"/>
+    <p:sldId id="257" r:id="rId4"/>
   </p:sldIdLst>
   <p:sldSz cx="9906000" cy="6858000" type="A4"/>
   <p:notesSz cx="9144000" cy="6858000"/>
@@ -244,7 +245,7 @@
           <a:p>
             <a:fld id="{1DD5E214-71AE-49E0-8511-3FE919ED9730}" type="datetimeFigureOut">
               <a:rPr lang="fr-FR" smtClean="0"/>
-              <a:t>23/06/2020</a:t>
+              <a:t>19/08/2022</a:t>
             </a:fld>
             <a:endParaRPr lang="fr-FR"/>
           </a:p>
@@ -414,7 +415,7 @@
           <a:p>
             <a:fld id="{1DD5E214-71AE-49E0-8511-3FE919ED9730}" type="datetimeFigureOut">
               <a:rPr lang="fr-FR" smtClean="0"/>
-              <a:t>23/06/2020</a:t>
+              <a:t>19/08/2022</a:t>
             </a:fld>
             <a:endParaRPr lang="fr-FR"/>
           </a:p>
@@ -594,7 +595,7 @@
           <a:p>
             <a:fld id="{1DD5E214-71AE-49E0-8511-3FE919ED9730}" type="datetimeFigureOut">
               <a:rPr lang="fr-FR" smtClean="0"/>
-              <a:t>23/06/2020</a:t>
+              <a:t>19/08/2022</a:t>
             </a:fld>
             <a:endParaRPr lang="fr-FR"/>
           </a:p>
@@ -764,7 +765,7 @@
           <a:p>
             <a:fld id="{1DD5E214-71AE-49E0-8511-3FE919ED9730}" type="datetimeFigureOut">
               <a:rPr lang="fr-FR" smtClean="0"/>
-              <a:t>23/06/2020</a:t>
+              <a:t>19/08/2022</a:t>
             </a:fld>
             <a:endParaRPr lang="fr-FR"/>
           </a:p>
@@ -1008,7 +1009,7 @@
           <a:p>
             <a:fld id="{1DD5E214-71AE-49E0-8511-3FE919ED9730}" type="datetimeFigureOut">
               <a:rPr lang="fr-FR" smtClean="0"/>
-              <a:t>23/06/2020</a:t>
+              <a:t>19/08/2022</a:t>
             </a:fld>
             <a:endParaRPr lang="fr-FR"/>
           </a:p>
@@ -1240,7 +1241,7 @@
           <a:p>
             <a:fld id="{1DD5E214-71AE-49E0-8511-3FE919ED9730}" type="datetimeFigureOut">
               <a:rPr lang="fr-FR" smtClean="0"/>
-              <a:t>23/06/2020</a:t>
+              <a:t>19/08/2022</a:t>
             </a:fld>
             <a:endParaRPr lang="fr-FR"/>
           </a:p>
@@ -1607,7 +1608,7 @@
           <a:p>
             <a:fld id="{1DD5E214-71AE-49E0-8511-3FE919ED9730}" type="datetimeFigureOut">
               <a:rPr lang="fr-FR" smtClean="0"/>
-              <a:t>23/06/2020</a:t>
+              <a:t>19/08/2022</a:t>
             </a:fld>
             <a:endParaRPr lang="fr-FR"/>
           </a:p>
@@ -1725,7 +1726,7 @@
           <a:p>
             <a:fld id="{1DD5E214-71AE-49E0-8511-3FE919ED9730}" type="datetimeFigureOut">
               <a:rPr lang="fr-FR" smtClean="0"/>
-              <a:t>23/06/2020</a:t>
+              <a:t>19/08/2022</a:t>
             </a:fld>
             <a:endParaRPr lang="fr-FR"/>
           </a:p>
@@ -1820,7 +1821,7 @@
           <a:p>
             <a:fld id="{1DD5E214-71AE-49E0-8511-3FE919ED9730}" type="datetimeFigureOut">
               <a:rPr lang="fr-FR" smtClean="0"/>
-              <a:t>23/06/2020</a:t>
+              <a:t>19/08/2022</a:t>
             </a:fld>
             <a:endParaRPr lang="fr-FR"/>
           </a:p>
@@ -2097,7 +2098,7 @@
           <a:p>
             <a:fld id="{1DD5E214-71AE-49E0-8511-3FE919ED9730}" type="datetimeFigureOut">
               <a:rPr lang="fr-FR" smtClean="0"/>
-              <a:t>23/06/2020</a:t>
+              <a:t>19/08/2022</a:t>
             </a:fld>
             <a:endParaRPr lang="fr-FR"/>
           </a:p>
@@ -2354,7 +2355,7 @@
           <a:p>
             <a:fld id="{1DD5E214-71AE-49E0-8511-3FE919ED9730}" type="datetimeFigureOut">
               <a:rPr lang="fr-FR" smtClean="0"/>
-              <a:t>23/06/2020</a:t>
+              <a:t>19/08/2022</a:t>
             </a:fld>
             <a:endParaRPr lang="fr-FR"/>
           </a:p>
@@ -2567,7 +2568,7 @@
           <a:p>
             <a:fld id="{1DD5E214-71AE-49E0-8511-3FE919ED9730}" type="datetimeFigureOut">
               <a:rPr lang="fr-FR" smtClean="0"/>
-              <a:t>23/06/2020</a:t>
+              <a:t>19/08/2022</a:t>
             </a:fld>
             <a:endParaRPr lang="fr-FR"/>
           </a:p>
@@ -12496,6 +12497,3811 @@
           <a:chExt cx="0" cy="0"/>
         </a:xfrm>
       </p:grpSpPr>
+      <p:grpSp>
+        <p:nvGrpSpPr>
+          <p:cNvPr id="3" name="Groupe 2"/>
+          <p:cNvGrpSpPr/>
+          <p:nvPr/>
+        </p:nvGrpSpPr>
+        <p:grpSpPr>
+          <a:xfrm>
+            <a:off x="2503059" y="324518"/>
+            <a:ext cx="4898365" cy="3308676"/>
+            <a:chOff x="2503059" y="324518"/>
+            <a:chExt cx="4898365" cy="3308676"/>
+          </a:xfrm>
+        </p:grpSpPr>
+        <p:cxnSp>
+          <p:nvCxnSpPr>
+            <p:cNvPr id="56" name="Connecteur droit avec flèche 55"/>
+            <p:cNvCxnSpPr>
+              <a:stCxn id="52" idx="4"/>
+              <a:endCxn id="57" idx="0"/>
+            </p:cNvCxnSpPr>
+            <p:nvPr/>
+          </p:nvCxnSpPr>
+          <p:spPr>
+            <a:xfrm>
+              <a:off x="4886709" y="2553253"/>
+              <a:ext cx="1501" cy="420209"/>
+            </a:xfrm>
+            <a:prstGeom prst="straightConnector1">
+              <a:avLst/>
+            </a:prstGeom>
+            <a:ln>
+              <a:tailEnd type="triangle"/>
+            </a:ln>
+          </p:spPr>
+          <p:style>
+            <a:lnRef idx="1">
+              <a:schemeClr val="dk1"/>
+            </a:lnRef>
+            <a:fillRef idx="0">
+              <a:schemeClr val="dk1"/>
+            </a:fillRef>
+            <a:effectRef idx="0">
+              <a:schemeClr val="dk1"/>
+            </a:effectRef>
+            <a:fontRef idx="minor">
+              <a:schemeClr val="tx1"/>
+            </a:fontRef>
+          </p:style>
+        </p:cxnSp>
+        <p:cxnSp>
+          <p:nvCxnSpPr>
+            <p:cNvPr id="55" name="Connecteur droit avec flèche 54"/>
+            <p:cNvCxnSpPr>
+              <a:endCxn id="53" idx="0"/>
+            </p:cNvCxnSpPr>
+            <p:nvPr/>
+          </p:nvCxnSpPr>
+          <p:spPr>
+            <a:xfrm flipH="1">
+              <a:off x="4880221" y="1871891"/>
+              <a:ext cx="2306" cy="342006"/>
+            </a:xfrm>
+            <a:prstGeom prst="straightConnector1">
+              <a:avLst/>
+            </a:prstGeom>
+            <a:ln>
+              <a:tailEnd type="triangle"/>
+            </a:ln>
+          </p:spPr>
+          <p:style>
+            <a:lnRef idx="1">
+              <a:schemeClr val="dk1"/>
+            </a:lnRef>
+            <a:fillRef idx="0">
+              <a:schemeClr val="dk1"/>
+            </a:fillRef>
+            <a:effectRef idx="0">
+              <a:schemeClr val="dk1"/>
+            </a:effectRef>
+            <a:fontRef idx="minor">
+              <a:schemeClr val="tx1"/>
+            </a:fontRef>
+          </p:style>
+        </p:cxnSp>
+        <p:sp>
+          <p:nvSpPr>
+            <p:cNvPr id="77" name="Ellipse 76"/>
+            <p:cNvSpPr/>
+            <p:nvPr/>
+          </p:nvSpPr>
+          <p:spPr>
+            <a:xfrm>
+              <a:off x="6455002" y="2249292"/>
+              <a:ext cx="753427" cy="302647"/>
+            </a:xfrm>
+            <a:prstGeom prst="ellipse">
+              <a:avLst/>
+            </a:prstGeom>
+            <a:noFill/>
+            <a:ln w="12700">
+              <a:solidFill>
+                <a:srgbClr val="E6A727"/>
+              </a:solidFill>
+            </a:ln>
+          </p:spPr>
+          <p:style>
+            <a:lnRef idx="1">
+              <a:schemeClr val="accent2"/>
+            </a:lnRef>
+            <a:fillRef idx="2">
+              <a:schemeClr val="accent2"/>
+            </a:fillRef>
+            <a:effectRef idx="1">
+              <a:schemeClr val="accent2"/>
+            </a:effectRef>
+            <a:fontRef idx="minor">
+              <a:schemeClr val="dk1"/>
+            </a:fontRef>
+          </p:style>
+          <p:txBody>
+            <a:bodyPr rtlCol="0" anchor="ctr"/>
+            <a:lstStyle/>
+            <a:p>
+              <a:pPr algn="ctr"/>
+              <a:endParaRPr lang="fr-FR" sz="701"/>
+            </a:p>
+          </p:txBody>
+        </p:sp>
+        <p:sp>
+          <p:nvSpPr>
+            <p:cNvPr id="46" name="Ellipse 45"/>
+            <p:cNvSpPr/>
+            <p:nvPr/>
+          </p:nvSpPr>
+          <p:spPr>
+            <a:xfrm>
+              <a:off x="4577355" y="324518"/>
+              <a:ext cx="737883" cy="341686"/>
+            </a:xfrm>
+            <a:prstGeom prst="ellipse">
+              <a:avLst/>
+            </a:prstGeom>
+            <a:noFill/>
+            <a:ln>
+              <a:solidFill>
+                <a:schemeClr val="tx1"/>
+              </a:solidFill>
+            </a:ln>
+          </p:spPr>
+          <p:style>
+            <a:lnRef idx="1">
+              <a:schemeClr val="accent2"/>
+            </a:lnRef>
+            <a:fillRef idx="2">
+              <a:schemeClr val="accent2"/>
+            </a:fillRef>
+            <a:effectRef idx="1">
+              <a:schemeClr val="accent2"/>
+            </a:effectRef>
+            <a:fontRef idx="minor">
+              <a:schemeClr val="dk1"/>
+            </a:fontRef>
+          </p:style>
+          <p:txBody>
+            <a:bodyPr rtlCol="0" anchor="ctr"/>
+            <a:lstStyle/>
+            <a:p>
+              <a:pPr algn="ctr"/>
+              <a:endParaRPr lang="fr-FR" sz="701"/>
+            </a:p>
+          </p:txBody>
+        </p:sp>
+        <mc:AlternateContent xmlns:mc="http://schemas.openxmlformats.org/markup-compatibility/2006">
+          <mc:Choice xmlns:a14="http://schemas.microsoft.com/office/drawing/2010/main" Requires="a14">
+            <p:sp>
+              <p:nvSpPr>
+                <p:cNvPr id="4" name="ZoneTexte 3"/>
+                <p:cNvSpPr txBox="1"/>
+                <p:nvPr/>
+              </p:nvSpPr>
+              <p:spPr>
+                <a:xfrm>
+                  <a:off x="4512839" y="359283"/>
+                  <a:ext cx="883485" cy="331501"/>
+                </a:xfrm>
+                <a:prstGeom prst="rect">
+                  <a:avLst/>
+                </a:prstGeom>
+                <a:noFill/>
+              </p:spPr>
+              <p:txBody>
+                <a:bodyPr wrap="square" rtlCol="0">
+                  <a:spAutoFit/>
+                </a:bodyPr>
+                <a:lstStyle/>
+                <a:p>
+                  <a:pPr algn="ctr"/>
+                  <a14:m>
+                    <m:oMath xmlns:m="http://schemas.openxmlformats.org/officeDocument/2006/math">
+                      <m:sSub>
+                        <m:sSubPr>
+                          <m:ctrlPr>
+                            <a:rPr lang="fr-FR" sz="780" b="1" i="1">
+                              <a:solidFill>
+                                <a:srgbClr val="FF0000"/>
+                              </a:solidFill>
+                              <a:latin typeface="Cambria Math" panose="02040503050406030204" pitchFamily="18" charset="0"/>
+                            </a:rPr>
+                          </m:ctrlPr>
+                        </m:sSubPr>
+                        <m:e>
+                          <m:r>
+                            <m:rPr>
+                              <m:nor/>
+                            </m:rPr>
+                            <a:rPr lang="el-GR" sz="780" b="1" dirty="0">
+                              <a:solidFill>
+                                <a:srgbClr val="FF0000"/>
+                              </a:solidFill>
+                              <a:latin typeface="Sitka Text" panose="02000505000000020004" pitchFamily="2" charset="0"/>
+                            </a:rPr>
+                            <m:t>γ</m:t>
+                          </m:r>
+                        </m:e>
+                        <m:sub>
+                          <m:r>
+                            <a:rPr lang="fr-FR" sz="780" b="1" i="1">
+                              <a:solidFill>
+                                <a:srgbClr val="FF0000"/>
+                              </a:solidFill>
+                              <a:latin typeface="Cambria Math" panose="02040503050406030204" pitchFamily="18" charset="0"/>
+                            </a:rPr>
+                            <m:t>𝒈𝒍𝒐𝒃𝒂𝒍</m:t>
+                          </m:r>
+                        </m:sub>
+                      </m:sSub>
+                    </m:oMath>
+                  </a14:m>
+                  <a:r>
+                    <a:rPr lang="fr-FR" sz="701" b="1" dirty="0">
+                      <a:solidFill>
+                        <a:srgbClr val="FF0000"/>
+                      </a:solidFill>
+                    </a:rPr>
+                    <a:t> =100%</a:t>
+                  </a:r>
+                </a:p>
+                <a:p>
+                  <a:pPr algn="ctr"/>
+                  <a:r>
+                    <a:rPr lang="fr-FR" sz="701" dirty="0" smtClean="0"/>
+                    <a:t>2023 </a:t>
+                  </a:r>
+                  <a:r>
+                    <a:rPr lang="en-US" sz="701" dirty="0"/>
+                    <a:t>MOTUs</a:t>
+                  </a:r>
+                </a:p>
+              </p:txBody>
+            </p:sp>
+          </mc:Choice>
+          <mc:Fallback>
+            <p:sp>
+              <p:nvSpPr>
+                <p:cNvPr id="4" name="ZoneTexte 3"/>
+                <p:cNvSpPr txBox="1">
+                  <a:spLocks noRot="1" noChangeAspect="1" noMove="1" noResize="1" noEditPoints="1" noAdjustHandles="1" noChangeArrowheads="1" noChangeShapeType="1" noTextEdit="1"/>
+                </p:cNvSpPr>
+                <p:nvPr/>
+              </p:nvSpPr>
+              <p:spPr>
+                <a:xfrm>
+                  <a:off x="4512839" y="359283"/>
+                  <a:ext cx="883485" cy="331501"/>
+                </a:xfrm>
+                <a:prstGeom prst="rect">
+                  <a:avLst/>
+                </a:prstGeom>
+                <a:blipFill>
+                  <a:blip r:embed="rId2"/>
+                  <a:stretch>
+                    <a:fillRect b="-3704"/>
+                  </a:stretch>
+                </a:blipFill>
+              </p:spPr>
+              <p:txBody>
+                <a:bodyPr/>
+                <a:lstStyle/>
+                <a:p>
+                  <a:r>
+                    <a:rPr lang="fr-FR">
+                      <a:noFill/>
+                    </a:rPr>
+                    <a:t> </a:t>
+                  </a:r>
+                </a:p>
+              </p:txBody>
+            </p:sp>
+          </mc:Fallback>
+        </mc:AlternateContent>
+        <p:sp>
+          <p:nvSpPr>
+            <p:cNvPr id="5" name="ZoneTexte 4"/>
+            <p:cNvSpPr txBox="1"/>
+            <p:nvPr/>
+          </p:nvSpPr>
+          <p:spPr>
+            <a:xfrm>
+              <a:off x="6369227" y="1087381"/>
+              <a:ext cx="1032197" cy="200183"/>
+            </a:xfrm>
+            <a:prstGeom prst="rect">
+              <a:avLst/>
+            </a:prstGeom>
+            <a:noFill/>
+          </p:spPr>
+          <p:txBody>
+            <a:bodyPr wrap="square" rtlCol="0">
+              <a:spAutoFit/>
+            </a:bodyPr>
+            <a:lstStyle/>
+            <a:p>
+              <a:r>
+                <a:rPr lang="fr-FR" sz="701" b="1" dirty="0" smtClean="0"/>
+                <a:t>Tropical NW Atlantic</a:t>
+              </a:r>
+              <a:endParaRPr lang="fr-FR" sz="701" b="1" dirty="0"/>
+            </a:p>
+          </p:txBody>
+        </p:sp>
+        <p:sp>
+          <p:nvSpPr>
+            <p:cNvPr id="6" name="ZoneTexte 5"/>
+            <p:cNvSpPr txBox="1"/>
+            <p:nvPr/>
+          </p:nvSpPr>
+          <p:spPr>
+            <a:xfrm>
+              <a:off x="5397146" y="1079891"/>
+              <a:ext cx="950207" cy="200183"/>
+            </a:xfrm>
+            <a:prstGeom prst="rect">
+              <a:avLst/>
+            </a:prstGeom>
+            <a:noFill/>
+          </p:spPr>
+          <p:txBody>
+            <a:bodyPr wrap="square" rtlCol="0">
+              <a:spAutoFit/>
+            </a:bodyPr>
+            <a:lstStyle/>
+            <a:p>
+              <a:r>
+                <a:rPr lang="fr-FR" sz="701" b="1" dirty="0" smtClean="0"/>
+                <a:t>Southeast Polynesia</a:t>
+              </a:r>
+              <a:endParaRPr lang="fr-FR" sz="701" b="1" dirty="0"/>
+            </a:p>
+          </p:txBody>
+        </p:sp>
+        <p:sp>
+          <p:nvSpPr>
+            <p:cNvPr id="7" name="ZoneTexte 6"/>
+            <p:cNvSpPr txBox="1"/>
+            <p:nvPr/>
+          </p:nvSpPr>
+          <p:spPr>
+            <a:xfrm>
+              <a:off x="2503059" y="1077157"/>
+              <a:ext cx="1097277" cy="200183"/>
+            </a:xfrm>
+            <a:prstGeom prst="rect">
+              <a:avLst/>
+            </a:prstGeom>
+            <a:noFill/>
+          </p:spPr>
+          <p:txBody>
+            <a:bodyPr wrap="square" rtlCol="0">
+              <a:spAutoFit/>
+            </a:bodyPr>
+            <a:lstStyle/>
+            <a:p>
+              <a:r>
+                <a:rPr lang="fr-FR" sz="701" b="1" dirty="0" smtClean="0"/>
+                <a:t>Western </a:t>
+              </a:r>
+              <a:r>
+                <a:rPr lang="en-US" sz="701" b="1" dirty="0" smtClean="0"/>
+                <a:t>Indian Ocean</a:t>
+              </a:r>
+              <a:endParaRPr lang="en-US" sz="701" b="1" dirty="0"/>
+            </a:p>
+          </p:txBody>
+        </p:sp>
+        <p:sp>
+          <p:nvSpPr>
+            <p:cNvPr id="8" name="ZoneTexte 7"/>
+            <p:cNvSpPr txBox="1"/>
+            <p:nvPr/>
+          </p:nvSpPr>
+          <p:spPr>
+            <a:xfrm>
+              <a:off x="3466257" y="1075218"/>
+              <a:ext cx="1117283" cy="200183"/>
+            </a:xfrm>
+            <a:prstGeom prst="rect">
+              <a:avLst/>
+            </a:prstGeom>
+            <a:noFill/>
+          </p:spPr>
+          <p:txBody>
+            <a:bodyPr wrap="square" rtlCol="0">
+              <a:spAutoFit/>
+            </a:bodyPr>
+            <a:lstStyle/>
+            <a:p>
+              <a:r>
+                <a:rPr lang="fr-FR" sz="701" b="1" dirty="0" smtClean="0"/>
+                <a:t>Western Coral Triangle</a:t>
+              </a:r>
+              <a:endParaRPr lang="fr-FR" sz="701" b="1" dirty="0"/>
+            </a:p>
+          </p:txBody>
+        </p:sp>
+        <mc:AlternateContent xmlns:mc="http://schemas.openxmlformats.org/markup-compatibility/2006">
+          <mc:Choice xmlns:a14="http://schemas.microsoft.com/office/drawing/2010/main" Requires="a14">
+            <p:sp>
+              <p:nvSpPr>
+                <p:cNvPr id="9" name="ZoneTexte 8"/>
+                <p:cNvSpPr txBox="1"/>
+                <p:nvPr/>
+              </p:nvSpPr>
+              <p:spPr>
+                <a:xfrm>
+                  <a:off x="6354647" y="2213431"/>
+                  <a:ext cx="956855" cy="308033"/>
+                </a:xfrm>
+                <a:prstGeom prst="rect">
+                  <a:avLst/>
+                </a:prstGeom>
+                <a:noFill/>
+              </p:spPr>
+              <p:txBody>
+                <a:bodyPr wrap="square" rtlCol="0">
+                  <a:spAutoFit/>
+                </a:bodyPr>
+                <a:lstStyle/>
+                <a:p>
+                  <a:pPr algn="ctr"/>
+                  <a:r>
+                    <a:rPr lang="fr-FR" sz="701" dirty="0"/>
+                    <a:t>6</a:t>
+                  </a:r>
+                  <a:r>
+                    <a:rPr lang="fr-FR" sz="701" dirty="0" smtClean="0"/>
+                    <a:t> </a:t>
+                  </a:r>
+                  <a:r>
+                    <a:rPr lang="fr-FR" sz="701" dirty="0"/>
+                    <a:t>sites</a:t>
+                  </a:r>
+                </a:p>
+                <a:p>
+                  <a:pPr algn="ctr"/>
+                  <a14:m>
+                    <m:oMath xmlns:m="http://schemas.openxmlformats.org/officeDocument/2006/math">
+                      <m:sSub>
+                        <m:sSubPr>
+                          <m:ctrlPr>
+                            <a:rPr lang="fr-FR" sz="701" i="1">
+                              <a:latin typeface="Cambria Math" panose="02040503050406030204" pitchFamily="18" charset="0"/>
+                            </a:rPr>
+                          </m:ctrlPr>
+                        </m:sSubPr>
+                        <m:e>
+                          <m:r>
+                            <m:rPr>
+                              <m:nor/>
+                            </m:rPr>
+                            <a:rPr lang="el-GR" sz="701" dirty="0">
+                              <a:latin typeface="Cambria Math" panose="02040503050406030204" pitchFamily="18" charset="0"/>
+                              <a:ea typeface="Cambria Math" panose="02040503050406030204" pitchFamily="18" charset="0"/>
+                            </a:rPr>
+                            <m:t>β</m:t>
+                          </m:r>
+                        </m:e>
+                        <m:sub>
+                          <m:r>
+                            <a:rPr lang="fr-FR" sz="701" i="1" dirty="0">
+                              <a:latin typeface="Cambria Math" panose="02040503050406030204" pitchFamily="18" charset="0"/>
+                            </a:rPr>
+                            <m:t>𝑖𝑛𝑡𝑒𝑟</m:t>
+                          </m:r>
+                          <m:r>
+                            <a:rPr lang="fr-FR" sz="701" i="1" dirty="0">
+                              <a:latin typeface="Cambria Math" panose="02040503050406030204" pitchFamily="18" charset="0"/>
+                            </a:rPr>
+                            <m:t>−</m:t>
+                          </m:r>
+                          <m:r>
+                            <a:rPr lang="fr-FR" sz="701" i="1" dirty="0">
+                              <a:latin typeface="Cambria Math" panose="02040503050406030204" pitchFamily="18" charset="0"/>
+                            </a:rPr>
+                            <m:t>𝑠𝑖𝑡𝑒</m:t>
+                          </m:r>
+                        </m:sub>
+                      </m:sSub>
+                    </m:oMath>
+                  </a14:m>
+                  <a:r>
+                    <a:rPr lang="fr-FR" sz="701" dirty="0"/>
+                    <a:t>= </a:t>
+                  </a:r>
+                  <a:r>
+                    <a:rPr lang="fr-FR" sz="701" dirty="0" smtClean="0"/>
+                    <a:t>11</a:t>
+                  </a:r>
+                  <a:r>
+                    <a:rPr lang="fr-FR" sz="701" dirty="0" smtClean="0"/>
+                    <a:t>.3%</a:t>
+                  </a:r>
+                  <a:endParaRPr lang="fr-FR" sz="701" dirty="0"/>
+                </a:p>
+              </p:txBody>
+            </p:sp>
+          </mc:Choice>
+          <mc:Fallback>
+            <p:sp>
+              <p:nvSpPr>
+                <p:cNvPr id="9" name="ZoneTexte 8"/>
+                <p:cNvSpPr txBox="1">
+                  <a:spLocks noRot="1" noChangeAspect="1" noMove="1" noResize="1" noEditPoints="1" noAdjustHandles="1" noChangeArrowheads="1" noChangeShapeType="1" noTextEdit="1"/>
+                </p:cNvSpPr>
+                <p:nvPr/>
+              </p:nvSpPr>
+              <p:spPr>
+                <a:xfrm>
+                  <a:off x="6354647" y="2213431"/>
+                  <a:ext cx="956855" cy="308033"/>
+                </a:xfrm>
+                <a:prstGeom prst="rect">
+                  <a:avLst/>
+                </a:prstGeom>
+                <a:blipFill>
+                  <a:blip r:embed="rId3"/>
+                  <a:stretch>
+                    <a:fillRect b="-1961"/>
+                  </a:stretch>
+                </a:blipFill>
+              </p:spPr>
+              <p:txBody>
+                <a:bodyPr/>
+                <a:lstStyle/>
+                <a:p>
+                  <a:r>
+                    <a:rPr lang="fr-FR">
+                      <a:noFill/>
+                    </a:rPr>
+                    <a:t> </a:t>
+                  </a:r>
+                </a:p>
+              </p:txBody>
+            </p:sp>
+          </mc:Fallback>
+        </mc:AlternateContent>
+        <mc:AlternateContent xmlns:mc="http://schemas.openxmlformats.org/markup-compatibility/2006">
+          <mc:Choice xmlns:a14="http://schemas.microsoft.com/office/drawing/2010/main" Requires="a14">
+            <p:sp>
+              <p:nvSpPr>
+                <p:cNvPr id="10" name="ZoneTexte 9"/>
+                <p:cNvSpPr txBox="1"/>
+                <p:nvPr/>
+              </p:nvSpPr>
+              <p:spPr>
+                <a:xfrm>
+                  <a:off x="5484484" y="2202198"/>
+                  <a:ext cx="765029" cy="308033"/>
+                </a:xfrm>
+                <a:prstGeom prst="rect">
+                  <a:avLst/>
+                </a:prstGeom>
+                <a:noFill/>
+              </p:spPr>
+              <p:txBody>
+                <a:bodyPr wrap="square" rtlCol="0">
+                  <a:spAutoFit/>
+                </a:bodyPr>
+                <a:lstStyle/>
+                <a:p>
+                  <a:pPr algn="ctr"/>
+                  <a:r>
+                    <a:rPr lang="fr-FR" sz="701" dirty="0"/>
+                    <a:t>1 site</a:t>
+                  </a:r>
+                </a:p>
+                <a:p>
+                  <a:pPr algn="ctr"/>
+                  <a14:m>
+                    <m:oMath xmlns:m="http://schemas.openxmlformats.org/officeDocument/2006/math">
+                      <m:sSub>
+                        <m:sSubPr>
+                          <m:ctrlPr>
+                            <a:rPr lang="fr-FR" sz="701" i="1">
+                              <a:latin typeface="Cambria Math" panose="02040503050406030204" pitchFamily="18" charset="0"/>
+                            </a:rPr>
+                          </m:ctrlPr>
+                        </m:sSubPr>
+                        <m:e>
+                          <m:r>
+                            <m:rPr>
+                              <m:nor/>
+                            </m:rPr>
+                            <a:rPr lang="el-GR" sz="701" dirty="0">
+                              <a:latin typeface="Cambria Math" panose="02040503050406030204" pitchFamily="18" charset="0"/>
+                              <a:ea typeface="Cambria Math" panose="02040503050406030204" pitchFamily="18" charset="0"/>
+                            </a:rPr>
+                            <m:t>β</m:t>
+                          </m:r>
+                        </m:e>
+                        <m:sub>
+                          <m:r>
+                            <a:rPr lang="fr-FR" sz="701" i="1" dirty="0">
+                              <a:latin typeface="Cambria Math" panose="02040503050406030204" pitchFamily="18" charset="0"/>
+                            </a:rPr>
+                            <m:t>𝑖𝑛𝑡𝑒𝑟</m:t>
+                          </m:r>
+                          <m:r>
+                            <a:rPr lang="fr-FR" sz="701" i="1" dirty="0">
+                              <a:latin typeface="Cambria Math" panose="02040503050406030204" pitchFamily="18" charset="0"/>
+                            </a:rPr>
+                            <m:t>−</m:t>
+                          </m:r>
+                          <m:r>
+                            <a:rPr lang="fr-FR" sz="701" i="1" dirty="0">
+                              <a:latin typeface="Cambria Math" panose="02040503050406030204" pitchFamily="18" charset="0"/>
+                            </a:rPr>
+                            <m:t>𝑠𝑖𝑡𝑒</m:t>
+                          </m:r>
+                        </m:sub>
+                      </m:sSub>
+                    </m:oMath>
+                  </a14:m>
+                  <a:r>
+                    <a:rPr lang="fr-FR" sz="701" dirty="0"/>
+                    <a:t>= 0%</a:t>
+                  </a:r>
+                </a:p>
+              </p:txBody>
+            </p:sp>
+          </mc:Choice>
+          <mc:Fallback>
+            <p:sp>
+              <p:nvSpPr>
+                <p:cNvPr id="10" name="ZoneTexte 9"/>
+                <p:cNvSpPr txBox="1">
+                  <a:spLocks noRot="1" noChangeAspect="1" noMove="1" noResize="1" noEditPoints="1" noAdjustHandles="1" noChangeArrowheads="1" noChangeShapeType="1" noTextEdit="1"/>
+                </p:cNvSpPr>
+                <p:nvPr/>
+              </p:nvSpPr>
+              <p:spPr>
+                <a:xfrm>
+                  <a:off x="5484484" y="2202198"/>
+                  <a:ext cx="765029" cy="308033"/>
+                </a:xfrm>
+                <a:prstGeom prst="rect">
+                  <a:avLst/>
+                </a:prstGeom>
+                <a:blipFill>
+                  <a:blip r:embed="rId4"/>
+                  <a:stretch>
+                    <a:fillRect b="-1961"/>
+                  </a:stretch>
+                </a:blipFill>
+              </p:spPr>
+              <p:txBody>
+                <a:bodyPr/>
+                <a:lstStyle/>
+                <a:p>
+                  <a:r>
+                    <a:rPr lang="fr-FR">
+                      <a:noFill/>
+                    </a:rPr>
+                    <a:t> </a:t>
+                  </a:r>
+                </a:p>
+              </p:txBody>
+            </p:sp>
+          </mc:Fallback>
+        </mc:AlternateContent>
+        <mc:AlternateContent xmlns:mc="http://schemas.openxmlformats.org/markup-compatibility/2006">
+          <mc:Choice xmlns:a14="http://schemas.microsoft.com/office/drawing/2010/main" Requires="a14">
+            <p:sp>
+              <p:nvSpPr>
+                <p:cNvPr id="11" name="ZoneTexte 10"/>
+                <p:cNvSpPr txBox="1"/>
+                <p:nvPr/>
+              </p:nvSpPr>
+              <p:spPr>
+                <a:xfrm>
+                  <a:off x="2599286" y="2207570"/>
+                  <a:ext cx="855633" cy="308033"/>
+                </a:xfrm>
+                <a:prstGeom prst="rect">
+                  <a:avLst/>
+                </a:prstGeom>
+                <a:noFill/>
+              </p:spPr>
+              <p:txBody>
+                <a:bodyPr wrap="square" rtlCol="0">
+                  <a:spAutoFit/>
+                </a:bodyPr>
+                <a:lstStyle/>
+                <a:p>
+                  <a:pPr algn="ctr"/>
+                  <a:r>
+                    <a:rPr lang="fr-FR" sz="701" dirty="0"/>
+                    <a:t>4 sites</a:t>
+                  </a:r>
+                </a:p>
+                <a:p>
+                  <a:pPr algn="ctr"/>
+                  <a14:m>
+                    <m:oMath xmlns:m="http://schemas.openxmlformats.org/officeDocument/2006/math">
+                      <m:sSub>
+                        <m:sSubPr>
+                          <m:ctrlPr>
+                            <a:rPr lang="fr-FR" sz="701" i="1">
+                              <a:latin typeface="Cambria Math" panose="02040503050406030204" pitchFamily="18" charset="0"/>
+                            </a:rPr>
+                          </m:ctrlPr>
+                        </m:sSubPr>
+                        <m:e>
+                          <m:r>
+                            <m:rPr>
+                              <m:nor/>
+                            </m:rPr>
+                            <a:rPr lang="el-GR" sz="701" dirty="0">
+                              <a:latin typeface="Cambria Math" panose="02040503050406030204" pitchFamily="18" charset="0"/>
+                              <a:ea typeface="Cambria Math" panose="02040503050406030204" pitchFamily="18" charset="0"/>
+                            </a:rPr>
+                            <m:t>β</m:t>
+                          </m:r>
+                        </m:e>
+                        <m:sub>
+                          <m:r>
+                            <a:rPr lang="fr-FR" sz="701" i="1" dirty="0">
+                              <a:latin typeface="Cambria Math" panose="02040503050406030204" pitchFamily="18" charset="0"/>
+                            </a:rPr>
+                            <m:t>𝑖𝑛𝑡𝑒𝑟</m:t>
+                          </m:r>
+                          <m:r>
+                            <a:rPr lang="fr-FR" sz="701" i="1" dirty="0">
+                              <a:latin typeface="Cambria Math" panose="02040503050406030204" pitchFamily="18" charset="0"/>
+                            </a:rPr>
+                            <m:t>−</m:t>
+                          </m:r>
+                          <m:r>
+                            <a:rPr lang="fr-FR" sz="701" i="1" dirty="0">
+                              <a:latin typeface="Cambria Math" panose="02040503050406030204" pitchFamily="18" charset="0"/>
+                            </a:rPr>
+                            <m:t>𝑠𝑖𝑡𝑒</m:t>
+                          </m:r>
+                        </m:sub>
+                      </m:sSub>
+                    </m:oMath>
+                  </a14:m>
+                  <a:r>
+                    <a:rPr lang="fr-FR" sz="701" dirty="0"/>
+                    <a:t>= </a:t>
+                  </a:r>
+                  <a:r>
+                    <a:rPr lang="fr-FR" sz="701" dirty="0" smtClean="0"/>
+                    <a:t>8.3%</a:t>
+                  </a:r>
+                  <a:endParaRPr lang="fr-FR" sz="701" dirty="0"/>
+                </a:p>
+              </p:txBody>
+            </p:sp>
+          </mc:Choice>
+          <mc:Fallback>
+            <p:sp>
+              <p:nvSpPr>
+                <p:cNvPr id="11" name="ZoneTexte 10"/>
+                <p:cNvSpPr txBox="1">
+                  <a:spLocks noRot="1" noChangeAspect="1" noMove="1" noResize="1" noEditPoints="1" noAdjustHandles="1" noChangeArrowheads="1" noChangeShapeType="1" noTextEdit="1"/>
+                </p:cNvSpPr>
+                <p:nvPr/>
+              </p:nvSpPr>
+              <p:spPr>
+                <a:xfrm>
+                  <a:off x="2599286" y="2207570"/>
+                  <a:ext cx="855633" cy="308033"/>
+                </a:xfrm>
+                <a:prstGeom prst="rect">
+                  <a:avLst/>
+                </a:prstGeom>
+                <a:blipFill>
+                  <a:blip r:embed="rId5"/>
+                  <a:stretch>
+                    <a:fillRect b="-1961"/>
+                  </a:stretch>
+                </a:blipFill>
+              </p:spPr>
+              <p:txBody>
+                <a:bodyPr/>
+                <a:lstStyle/>
+                <a:p>
+                  <a:r>
+                    <a:rPr lang="fr-FR">
+                      <a:noFill/>
+                    </a:rPr>
+                    <a:t> </a:t>
+                  </a:r>
+                </a:p>
+              </p:txBody>
+            </p:sp>
+          </mc:Fallback>
+        </mc:AlternateContent>
+        <mc:AlternateContent xmlns:mc="http://schemas.openxmlformats.org/markup-compatibility/2006">
+          <mc:Choice xmlns:a14="http://schemas.microsoft.com/office/drawing/2010/main" Requires="a14">
+            <p:sp>
+              <p:nvSpPr>
+                <p:cNvPr id="12" name="ZoneTexte 11"/>
+                <p:cNvSpPr txBox="1"/>
+                <p:nvPr/>
+              </p:nvSpPr>
+              <p:spPr>
+                <a:xfrm>
+                  <a:off x="3533460" y="2206607"/>
+                  <a:ext cx="899803" cy="308033"/>
+                </a:xfrm>
+                <a:prstGeom prst="rect">
+                  <a:avLst/>
+                </a:prstGeom>
+                <a:noFill/>
+              </p:spPr>
+              <p:txBody>
+                <a:bodyPr wrap="square" rtlCol="0">
+                  <a:spAutoFit/>
+                </a:bodyPr>
+                <a:lstStyle/>
+                <a:p>
+                  <a:pPr algn="ctr"/>
+                  <a:r>
+                    <a:rPr lang="fr-FR" sz="701" dirty="0"/>
+                    <a:t>9</a:t>
+                  </a:r>
+                  <a:r>
+                    <a:rPr lang="fr-FR" sz="701" dirty="0" smtClean="0"/>
+                    <a:t> </a:t>
+                  </a:r>
+                  <a:r>
+                    <a:rPr lang="fr-FR" sz="701" dirty="0"/>
+                    <a:t>sites</a:t>
+                  </a:r>
+                </a:p>
+                <a:p>
+                  <a:pPr algn="ctr"/>
+                  <a14:m>
+                    <m:oMath xmlns:m="http://schemas.openxmlformats.org/officeDocument/2006/math">
+                      <m:sSub>
+                        <m:sSubPr>
+                          <m:ctrlPr>
+                            <a:rPr lang="fr-FR" sz="701" i="1">
+                              <a:latin typeface="Cambria Math" panose="02040503050406030204" pitchFamily="18" charset="0"/>
+                            </a:rPr>
+                          </m:ctrlPr>
+                        </m:sSubPr>
+                        <m:e>
+                          <m:r>
+                            <m:rPr>
+                              <m:nor/>
+                            </m:rPr>
+                            <a:rPr lang="el-GR" sz="701" dirty="0">
+                              <a:latin typeface="Cambria Math" panose="02040503050406030204" pitchFamily="18" charset="0"/>
+                              <a:ea typeface="Cambria Math" panose="02040503050406030204" pitchFamily="18" charset="0"/>
+                            </a:rPr>
+                            <m:t>β</m:t>
+                          </m:r>
+                        </m:e>
+                        <m:sub>
+                          <m:r>
+                            <a:rPr lang="fr-FR" sz="701" i="1" dirty="0">
+                              <a:latin typeface="Cambria Math" panose="02040503050406030204" pitchFamily="18" charset="0"/>
+                            </a:rPr>
+                            <m:t>𝑖𝑛𝑡𝑒𝑟</m:t>
+                          </m:r>
+                          <m:r>
+                            <a:rPr lang="fr-FR" sz="701" i="1" dirty="0">
+                              <a:latin typeface="Cambria Math" panose="02040503050406030204" pitchFamily="18" charset="0"/>
+                            </a:rPr>
+                            <m:t>−</m:t>
+                          </m:r>
+                          <m:r>
+                            <a:rPr lang="fr-FR" sz="701" i="1" dirty="0">
+                              <a:latin typeface="Cambria Math" panose="02040503050406030204" pitchFamily="18" charset="0"/>
+                            </a:rPr>
+                            <m:t>𝑠𝑖𝑡𝑒</m:t>
+                          </m:r>
+                        </m:sub>
+                      </m:sSub>
+                    </m:oMath>
+                  </a14:m>
+                  <a:r>
+                    <a:rPr lang="fr-FR" sz="701" dirty="0"/>
+                    <a:t>= </a:t>
+                  </a:r>
+                  <a:r>
+                    <a:rPr lang="fr-FR" sz="701" dirty="0" smtClean="0"/>
+                    <a:t>29</a:t>
+                  </a:r>
+                  <a:r>
+                    <a:rPr lang="fr-FR" sz="701" dirty="0" smtClean="0"/>
+                    <a:t>.5%</a:t>
+                  </a:r>
+                  <a:endParaRPr lang="fr-FR" sz="701" dirty="0"/>
+                </a:p>
+              </p:txBody>
+            </p:sp>
+          </mc:Choice>
+          <mc:Fallback>
+            <p:sp>
+              <p:nvSpPr>
+                <p:cNvPr id="12" name="ZoneTexte 11"/>
+                <p:cNvSpPr txBox="1">
+                  <a:spLocks noRot="1" noChangeAspect="1" noMove="1" noResize="1" noEditPoints="1" noAdjustHandles="1" noChangeArrowheads="1" noChangeShapeType="1" noTextEdit="1"/>
+                </p:cNvSpPr>
+                <p:nvPr/>
+              </p:nvSpPr>
+              <p:spPr>
+                <a:xfrm>
+                  <a:off x="3533460" y="2206607"/>
+                  <a:ext cx="899803" cy="308033"/>
+                </a:xfrm>
+                <a:prstGeom prst="rect">
+                  <a:avLst/>
+                </a:prstGeom>
+                <a:blipFill>
+                  <a:blip r:embed="rId6"/>
+                  <a:stretch>
+                    <a:fillRect b="-1961"/>
+                  </a:stretch>
+                </a:blipFill>
+              </p:spPr>
+              <p:txBody>
+                <a:bodyPr/>
+                <a:lstStyle/>
+                <a:p>
+                  <a:r>
+                    <a:rPr lang="fr-FR">
+                      <a:noFill/>
+                    </a:rPr>
+                    <a:t> </a:t>
+                  </a:r>
+                </a:p>
+              </p:txBody>
+            </p:sp>
+          </mc:Fallback>
+        </mc:AlternateContent>
+        <mc:AlternateContent xmlns:mc="http://schemas.openxmlformats.org/markup-compatibility/2006">
+          <mc:Choice xmlns:a14="http://schemas.microsoft.com/office/drawing/2010/main" Requires="a14">
+            <p:sp>
+              <p:nvSpPr>
+                <p:cNvPr id="13" name="ZoneTexte 12"/>
+                <p:cNvSpPr txBox="1"/>
+                <p:nvPr/>
+              </p:nvSpPr>
+              <p:spPr>
+                <a:xfrm>
+                  <a:off x="6377318" y="2976395"/>
+                  <a:ext cx="941079" cy="418384"/>
+                </a:xfrm>
+                <a:prstGeom prst="rect">
+                  <a:avLst/>
+                </a:prstGeom>
+                <a:noFill/>
+              </p:spPr>
+              <p:txBody>
+                <a:bodyPr wrap="square" rtlCol="0">
+                  <a:spAutoFit/>
+                </a:bodyPr>
+                <a:lstStyle/>
+                <a:p>
+                  <a:pPr algn="ctr"/>
+                  <a:r>
+                    <a:rPr lang="fr-FR" sz="701" dirty="0" smtClean="0"/>
+                    <a:t>30 </a:t>
+                  </a:r>
+                  <a:r>
+                    <a:rPr lang="fr-FR" sz="701" dirty="0"/>
+                    <a:t>stations</a:t>
+                  </a:r>
+                </a:p>
+                <a:p>
+                  <a:pPr algn="ctr"/>
+                  <a14:m>
+                    <m:oMath xmlns:m="http://schemas.openxmlformats.org/officeDocument/2006/math">
+                      <m:sSub>
+                        <m:sSubPr>
+                          <m:ctrlPr>
+                            <a:rPr lang="fr-FR" sz="701" i="1">
+                              <a:latin typeface="Cambria Math" panose="02040503050406030204" pitchFamily="18" charset="0"/>
+                            </a:rPr>
+                          </m:ctrlPr>
+                        </m:sSubPr>
+                        <m:e>
+                          <m:acc>
+                            <m:accPr>
+                              <m:chr m:val="̅"/>
+                              <m:ctrlPr>
+                                <a:rPr lang="fr-FR" sz="701" i="1">
+                                  <a:latin typeface="Cambria Math" panose="02040503050406030204" pitchFamily="18" charset="0"/>
+                                </a:rPr>
+                              </m:ctrlPr>
+                            </m:accPr>
+                            <m:e>
+                              <m:r>
+                                <a:rPr lang="fr-FR" sz="701" i="1">
+                                  <a:latin typeface="Cambria Math" panose="02040503050406030204" pitchFamily="18" charset="0"/>
+                                  <a:ea typeface="Cambria Math" panose="02040503050406030204" pitchFamily="18" charset="0"/>
+                                </a:rPr>
+                                <m:t>𝛽</m:t>
+                              </m:r>
+                            </m:e>
+                          </m:acc>
+                        </m:e>
+                        <m:sub>
+                          <m:r>
+                            <a:rPr lang="fr-FR" sz="701" i="1" dirty="0">
+                              <a:latin typeface="Cambria Math" panose="02040503050406030204" pitchFamily="18" charset="0"/>
+                            </a:rPr>
+                            <m:t>𝑖𝑛𝑡𝑒𝑟</m:t>
+                          </m:r>
+                          <m:r>
+                            <a:rPr lang="fr-FR" sz="701" i="1" dirty="0">
+                              <a:latin typeface="Cambria Math" panose="02040503050406030204" pitchFamily="18" charset="0"/>
+                            </a:rPr>
+                            <m:t>−</m:t>
+                          </m:r>
+                          <m:r>
+                            <a:rPr lang="fr-FR" sz="701" i="1" dirty="0">
+                              <a:latin typeface="Cambria Math" panose="02040503050406030204" pitchFamily="18" charset="0"/>
+                            </a:rPr>
+                            <m:t>𝑠𝑡𝑎𝑡𝑖𝑜𝑛</m:t>
+                          </m:r>
+                        </m:sub>
+                      </m:sSub>
+                    </m:oMath>
+                  </a14:m>
+                  <a:r>
+                    <a:rPr lang="fr-FR" sz="701" dirty="0"/>
+                    <a:t>= </a:t>
+                  </a:r>
+                  <a:r>
+                    <a:rPr lang="fr-FR" sz="701" dirty="0" smtClean="0"/>
+                    <a:t>2,6</a:t>
+                  </a:r>
+                  <a:r>
+                    <a:rPr lang="fr-FR" sz="701" dirty="0" smtClean="0"/>
+                    <a:t>%</a:t>
+                  </a:r>
+                  <a:endParaRPr lang="fr-FR" sz="701" dirty="0"/>
+                </a:p>
+                <a:p>
+                  <a:pPr algn="ctr"/>
+                  <a14:m>
+                    <m:oMath xmlns:m="http://schemas.openxmlformats.org/officeDocument/2006/math">
+                      <m:sSub>
+                        <m:sSubPr>
+                          <m:ctrlPr>
+                            <a:rPr lang="fr-FR" sz="701" i="1">
+                              <a:latin typeface="Cambria Math" panose="02040503050406030204" pitchFamily="18" charset="0"/>
+                            </a:rPr>
+                          </m:ctrlPr>
+                        </m:sSubPr>
+                        <m:e>
+                          <m:acc>
+                            <m:accPr>
+                              <m:chr m:val="̅"/>
+                              <m:ctrlPr>
+                                <a:rPr lang="fr-FR" sz="701" i="1">
+                                  <a:latin typeface="Cambria Math" panose="02040503050406030204" pitchFamily="18" charset="0"/>
+                                </a:rPr>
+                              </m:ctrlPr>
+                            </m:accPr>
+                            <m:e>
+                              <m:r>
+                                <a:rPr lang="fr-FR" sz="701" i="1">
+                                  <a:latin typeface="Cambria Math" panose="02040503050406030204" pitchFamily="18" charset="0"/>
+                                  <a:ea typeface="Cambria Math" panose="02040503050406030204" pitchFamily="18" charset="0"/>
+                                </a:rPr>
+                                <m:t>𝛼</m:t>
+                              </m:r>
+                            </m:e>
+                          </m:acc>
+                        </m:e>
+                        <m:sub>
+                          <m:r>
+                            <a:rPr lang="fr-FR" sz="701" i="1" dirty="0">
+                              <a:latin typeface="Cambria Math" panose="02040503050406030204" pitchFamily="18" charset="0"/>
+                            </a:rPr>
+                            <m:t>𝑠𝑡𝑎𝑡𝑖𝑜𝑛</m:t>
+                          </m:r>
+                        </m:sub>
+                      </m:sSub>
+                    </m:oMath>
+                  </a14:m>
+                  <a:r>
+                    <a:rPr lang="fr-FR" sz="701" dirty="0"/>
+                    <a:t>= </a:t>
+                  </a:r>
+                  <a:r>
+                    <a:rPr lang="fr-FR" sz="701" dirty="0" smtClean="0"/>
+                    <a:t>3</a:t>
+                  </a:r>
+                  <a:r>
+                    <a:rPr lang="fr-FR" sz="701" dirty="0" smtClean="0"/>
+                    <a:t>.1%</a:t>
+                  </a:r>
+                  <a:endParaRPr lang="fr-FR" sz="701" dirty="0"/>
+                </a:p>
+              </p:txBody>
+            </p:sp>
+          </mc:Choice>
+          <mc:Fallback>
+            <p:sp>
+              <p:nvSpPr>
+                <p:cNvPr id="13" name="ZoneTexte 12"/>
+                <p:cNvSpPr txBox="1">
+                  <a:spLocks noRot="1" noChangeAspect="1" noMove="1" noResize="1" noEditPoints="1" noAdjustHandles="1" noChangeArrowheads="1" noChangeShapeType="1" noTextEdit="1"/>
+                </p:cNvSpPr>
+                <p:nvPr/>
+              </p:nvSpPr>
+              <p:spPr>
+                <a:xfrm>
+                  <a:off x="6377318" y="2976395"/>
+                  <a:ext cx="941079" cy="418384"/>
+                </a:xfrm>
+                <a:prstGeom prst="rect">
+                  <a:avLst/>
+                </a:prstGeom>
+                <a:blipFill>
+                  <a:blip r:embed="rId7"/>
+                  <a:stretch>
+                    <a:fillRect b="-1449"/>
+                  </a:stretch>
+                </a:blipFill>
+              </p:spPr>
+              <p:txBody>
+                <a:bodyPr/>
+                <a:lstStyle/>
+                <a:p>
+                  <a:r>
+                    <a:rPr lang="fr-FR">
+                      <a:noFill/>
+                    </a:rPr>
+                    <a:t> </a:t>
+                  </a:r>
+                </a:p>
+              </p:txBody>
+            </p:sp>
+          </mc:Fallback>
+        </mc:AlternateContent>
+        <mc:AlternateContent xmlns:mc="http://schemas.openxmlformats.org/markup-compatibility/2006">
+          <mc:Choice xmlns:a14="http://schemas.microsoft.com/office/drawing/2010/main" Requires="a14">
+            <p:sp>
+              <p:nvSpPr>
+                <p:cNvPr id="14" name="ZoneTexte 13"/>
+                <p:cNvSpPr txBox="1"/>
+                <p:nvPr/>
+              </p:nvSpPr>
+              <p:spPr>
+                <a:xfrm>
+                  <a:off x="5412768" y="2976395"/>
+                  <a:ext cx="926430" cy="418384"/>
+                </a:xfrm>
+                <a:prstGeom prst="rect">
+                  <a:avLst/>
+                </a:prstGeom>
+                <a:noFill/>
+              </p:spPr>
+              <p:txBody>
+                <a:bodyPr wrap="square" rtlCol="0">
+                  <a:spAutoFit/>
+                </a:bodyPr>
+                <a:lstStyle/>
+                <a:p>
+                  <a:pPr algn="ctr"/>
+                  <a:r>
+                    <a:rPr lang="fr-FR" sz="701" dirty="0"/>
+                    <a:t>4 stations</a:t>
+                  </a:r>
+                </a:p>
+                <a:p>
+                  <a:pPr algn="ctr"/>
+                  <a14:m>
+                    <m:oMath xmlns:m="http://schemas.openxmlformats.org/officeDocument/2006/math">
+                      <m:sSub>
+                        <m:sSubPr>
+                          <m:ctrlPr>
+                            <a:rPr lang="fr-FR" sz="701" i="1">
+                              <a:latin typeface="Cambria Math" panose="02040503050406030204" pitchFamily="18" charset="0"/>
+                            </a:rPr>
+                          </m:ctrlPr>
+                        </m:sSubPr>
+                        <m:e>
+                          <m:acc>
+                            <m:accPr>
+                              <m:chr m:val="̅"/>
+                              <m:ctrlPr>
+                                <a:rPr lang="fr-FR" sz="701" i="1">
+                                  <a:latin typeface="Cambria Math" panose="02040503050406030204" pitchFamily="18" charset="0"/>
+                                </a:rPr>
+                              </m:ctrlPr>
+                            </m:accPr>
+                            <m:e>
+                              <m:r>
+                                <a:rPr lang="fr-FR" sz="701" i="1" smtClean="0">
+                                  <a:latin typeface="Cambria Math" panose="02040503050406030204" pitchFamily="18" charset="0"/>
+                                  <a:ea typeface="Cambria Math" panose="02040503050406030204" pitchFamily="18" charset="0"/>
+                                </a:rPr>
+                                <m:t>𝛽</m:t>
+                              </m:r>
+                            </m:e>
+                          </m:acc>
+                        </m:e>
+                        <m:sub>
+                          <m:r>
+                            <a:rPr lang="fr-FR" sz="701" i="1" dirty="0">
+                              <a:latin typeface="Cambria Math" panose="02040503050406030204" pitchFamily="18" charset="0"/>
+                            </a:rPr>
+                            <m:t>𝑖𝑛𝑡𝑒𝑟</m:t>
+                          </m:r>
+                          <m:r>
+                            <a:rPr lang="fr-FR" sz="701" i="1" dirty="0">
+                              <a:latin typeface="Cambria Math" panose="02040503050406030204" pitchFamily="18" charset="0"/>
+                            </a:rPr>
+                            <m:t>−</m:t>
+                          </m:r>
+                          <m:r>
+                            <a:rPr lang="fr-FR" sz="701" i="1" dirty="0">
+                              <a:latin typeface="Cambria Math" panose="02040503050406030204" pitchFamily="18" charset="0"/>
+                            </a:rPr>
+                            <m:t>𝑠𝑡𝑎𝑡𝑖𝑜𝑛</m:t>
+                          </m:r>
+                        </m:sub>
+                      </m:sSub>
+                    </m:oMath>
+                  </a14:m>
+                  <a:r>
+                    <a:rPr lang="fr-FR" sz="701" dirty="0"/>
+                    <a:t>= </a:t>
+                  </a:r>
+                  <a:r>
+                    <a:rPr lang="fr-FR" sz="701" dirty="0" smtClean="0"/>
+                    <a:t>4</a:t>
+                  </a:r>
+                  <a:r>
+                    <a:rPr lang="fr-FR" sz="701" dirty="0" smtClean="0"/>
+                    <a:t>.7%</a:t>
+                  </a:r>
+                  <a:endParaRPr lang="fr-FR" sz="701" dirty="0"/>
+                </a:p>
+                <a:p>
+                  <a:pPr algn="ctr"/>
+                  <a14:m>
+                    <m:oMath xmlns:m="http://schemas.openxmlformats.org/officeDocument/2006/math">
+                      <m:sSub>
+                        <m:sSubPr>
+                          <m:ctrlPr>
+                            <a:rPr lang="fr-FR" sz="701" i="1">
+                              <a:latin typeface="Cambria Math" panose="02040503050406030204" pitchFamily="18" charset="0"/>
+                            </a:rPr>
+                          </m:ctrlPr>
+                        </m:sSubPr>
+                        <m:e>
+                          <m:acc>
+                            <m:accPr>
+                              <m:chr m:val="̅"/>
+                              <m:ctrlPr>
+                                <a:rPr lang="fr-FR" sz="701" i="1">
+                                  <a:latin typeface="Cambria Math" panose="02040503050406030204" pitchFamily="18" charset="0"/>
+                                </a:rPr>
+                              </m:ctrlPr>
+                            </m:accPr>
+                            <m:e>
+                              <m:r>
+                                <a:rPr lang="fr-FR" sz="701" i="1">
+                                  <a:latin typeface="Cambria Math" panose="02040503050406030204" pitchFamily="18" charset="0"/>
+                                  <a:ea typeface="Cambria Math" panose="02040503050406030204" pitchFamily="18" charset="0"/>
+                                </a:rPr>
+                                <m:t>𝛼</m:t>
+                              </m:r>
+                            </m:e>
+                          </m:acc>
+                        </m:e>
+                        <m:sub>
+                          <m:r>
+                            <a:rPr lang="fr-FR" sz="701" i="1" dirty="0">
+                              <a:latin typeface="Cambria Math" panose="02040503050406030204" pitchFamily="18" charset="0"/>
+                            </a:rPr>
+                            <m:t>𝑠𝑡𝑎𝑡𝑖𝑜𝑛</m:t>
+                          </m:r>
+                        </m:sub>
+                      </m:sSub>
+                    </m:oMath>
+                  </a14:m>
+                  <a:r>
+                    <a:rPr lang="fr-FR" sz="701" dirty="0"/>
+                    <a:t>= </a:t>
+                  </a:r>
+                  <a:r>
+                    <a:rPr lang="fr-FR" sz="701" dirty="0"/>
+                    <a:t>4</a:t>
+                  </a:r>
+                  <a:r>
+                    <a:rPr lang="fr-FR" sz="701" dirty="0" smtClean="0"/>
+                    <a:t>.4</a:t>
+                  </a:r>
+                  <a:r>
+                    <a:rPr lang="fr-FR" sz="701" dirty="0" smtClean="0"/>
+                    <a:t>%</a:t>
+                  </a:r>
+                  <a:endParaRPr lang="fr-FR" sz="701" dirty="0"/>
+                </a:p>
+              </p:txBody>
+            </p:sp>
+          </mc:Choice>
+          <mc:Fallback>
+            <p:sp>
+              <p:nvSpPr>
+                <p:cNvPr id="14" name="ZoneTexte 13"/>
+                <p:cNvSpPr txBox="1">
+                  <a:spLocks noRot="1" noChangeAspect="1" noMove="1" noResize="1" noEditPoints="1" noAdjustHandles="1" noChangeArrowheads="1" noChangeShapeType="1" noTextEdit="1"/>
+                </p:cNvSpPr>
+                <p:nvPr/>
+              </p:nvSpPr>
+              <p:spPr>
+                <a:xfrm>
+                  <a:off x="5412768" y="2976395"/>
+                  <a:ext cx="926430" cy="418384"/>
+                </a:xfrm>
+                <a:prstGeom prst="rect">
+                  <a:avLst/>
+                </a:prstGeom>
+                <a:blipFill>
+                  <a:blip r:embed="rId8"/>
+                  <a:stretch>
+                    <a:fillRect b="-1449"/>
+                  </a:stretch>
+                </a:blipFill>
+              </p:spPr>
+              <p:txBody>
+                <a:bodyPr/>
+                <a:lstStyle/>
+                <a:p>
+                  <a:r>
+                    <a:rPr lang="fr-FR">
+                      <a:noFill/>
+                    </a:rPr>
+                    <a:t> </a:t>
+                  </a:r>
+                </a:p>
+              </p:txBody>
+            </p:sp>
+          </mc:Fallback>
+        </mc:AlternateContent>
+        <mc:AlternateContent xmlns:mc="http://schemas.openxmlformats.org/markup-compatibility/2006">
+          <mc:Choice xmlns:a14="http://schemas.microsoft.com/office/drawing/2010/main" Requires="a14">
+            <p:sp>
+              <p:nvSpPr>
+                <p:cNvPr id="15" name="ZoneTexte 14"/>
+                <p:cNvSpPr txBox="1"/>
+                <p:nvPr/>
+              </p:nvSpPr>
+              <p:spPr>
+                <a:xfrm>
+                  <a:off x="2570222" y="2976395"/>
+                  <a:ext cx="959930" cy="418384"/>
+                </a:xfrm>
+                <a:prstGeom prst="rect">
+                  <a:avLst/>
+                </a:prstGeom>
+                <a:noFill/>
+              </p:spPr>
+              <p:txBody>
+                <a:bodyPr wrap="square" rtlCol="0">
+                  <a:spAutoFit/>
+                </a:bodyPr>
+                <a:lstStyle/>
+                <a:p>
+                  <a:pPr algn="ctr"/>
+                  <a:r>
+                    <a:rPr lang="fr-FR" sz="701" dirty="0"/>
+                    <a:t>16 stations</a:t>
+                  </a:r>
+                </a:p>
+                <a:p>
+                  <a:pPr algn="ctr"/>
+                  <a14:m>
+                    <m:oMath xmlns:m="http://schemas.openxmlformats.org/officeDocument/2006/math">
+                      <m:sSub>
+                        <m:sSubPr>
+                          <m:ctrlPr>
+                            <a:rPr lang="fr-FR" sz="701" i="1">
+                              <a:latin typeface="Cambria Math" panose="02040503050406030204" pitchFamily="18" charset="0"/>
+                            </a:rPr>
+                          </m:ctrlPr>
+                        </m:sSubPr>
+                        <m:e>
+                          <m:acc>
+                            <m:accPr>
+                              <m:chr m:val="̅"/>
+                              <m:ctrlPr>
+                                <a:rPr lang="fr-FR" sz="701" i="1">
+                                  <a:latin typeface="Cambria Math" panose="02040503050406030204" pitchFamily="18" charset="0"/>
+                                </a:rPr>
+                              </m:ctrlPr>
+                            </m:accPr>
+                            <m:e>
+                              <m:r>
+                                <a:rPr lang="fr-FR" sz="701" i="1">
+                                  <a:latin typeface="Cambria Math" panose="02040503050406030204" pitchFamily="18" charset="0"/>
+                                  <a:ea typeface="Cambria Math" panose="02040503050406030204" pitchFamily="18" charset="0"/>
+                                </a:rPr>
+                                <m:t>𝛽</m:t>
+                              </m:r>
+                            </m:e>
+                          </m:acc>
+                        </m:e>
+                        <m:sub>
+                          <m:r>
+                            <a:rPr lang="fr-FR" sz="701" i="1" dirty="0">
+                              <a:latin typeface="Cambria Math" panose="02040503050406030204" pitchFamily="18" charset="0"/>
+                            </a:rPr>
+                            <m:t>𝑖𝑛𝑡𝑒𝑟</m:t>
+                          </m:r>
+                          <m:r>
+                            <a:rPr lang="fr-FR" sz="701" i="1" dirty="0">
+                              <a:latin typeface="Cambria Math" panose="02040503050406030204" pitchFamily="18" charset="0"/>
+                            </a:rPr>
+                            <m:t>−</m:t>
+                          </m:r>
+                          <m:r>
+                            <a:rPr lang="fr-FR" sz="701" i="1" dirty="0">
+                              <a:latin typeface="Cambria Math" panose="02040503050406030204" pitchFamily="18" charset="0"/>
+                            </a:rPr>
+                            <m:t>𝑠𝑡𝑎𝑡𝑖𝑜𝑛</m:t>
+                          </m:r>
+                        </m:sub>
+                      </m:sSub>
+                    </m:oMath>
+                  </a14:m>
+                  <a:r>
+                    <a:rPr lang="fr-FR" sz="701" dirty="0"/>
+                    <a:t>= </a:t>
+                  </a:r>
+                  <a:r>
+                    <a:rPr lang="fr-FR" sz="701" dirty="0" smtClean="0"/>
+                    <a:t>3.8%</a:t>
+                  </a:r>
+                  <a:endParaRPr lang="fr-FR" sz="701" dirty="0"/>
+                </a:p>
+                <a:p>
+                  <a:pPr algn="ctr"/>
+                  <a14:m>
+                    <m:oMath xmlns:m="http://schemas.openxmlformats.org/officeDocument/2006/math">
+                      <m:sSub>
+                        <m:sSubPr>
+                          <m:ctrlPr>
+                            <a:rPr lang="fr-FR" sz="701" i="1">
+                              <a:latin typeface="Cambria Math" panose="02040503050406030204" pitchFamily="18" charset="0"/>
+                            </a:rPr>
+                          </m:ctrlPr>
+                        </m:sSubPr>
+                        <m:e>
+                          <m:acc>
+                            <m:accPr>
+                              <m:chr m:val="̅"/>
+                              <m:ctrlPr>
+                                <a:rPr lang="fr-FR" sz="701" i="1">
+                                  <a:latin typeface="Cambria Math" panose="02040503050406030204" pitchFamily="18" charset="0"/>
+                                </a:rPr>
+                              </m:ctrlPr>
+                            </m:accPr>
+                            <m:e>
+                              <m:r>
+                                <a:rPr lang="fr-FR" sz="701" i="1">
+                                  <a:latin typeface="Cambria Math" panose="02040503050406030204" pitchFamily="18" charset="0"/>
+                                  <a:ea typeface="Cambria Math" panose="02040503050406030204" pitchFamily="18" charset="0"/>
+                                </a:rPr>
+                                <m:t>𝛼</m:t>
+                              </m:r>
+                            </m:e>
+                          </m:acc>
+                        </m:e>
+                        <m:sub>
+                          <m:r>
+                            <a:rPr lang="fr-FR" sz="701" i="1" dirty="0">
+                              <a:latin typeface="Cambria Math" panose="02040503050406030204" pitchFamily="18" charset="0"/>
+                            </a:rPr>
+                            <m:t>𝑠𝑡𝑎𝑡𝑖𝑜𝑛</m:t>
+                          </m:r>
+                        </m:sub>
+                      </m:sSub>
+                    </m:oMath>
+                  </a14:m>
+                  <a:r>
+                    <a:rPr lang="fr-FR" sz="701" dirty="0"/>
+                    <a:t>= </a:t>
+                  </a:r>
+                  <a:r>
+                    <a:rPr lang="fr-FR" sz="701" dirty="0" smtClean="0"/>
+                    <a:t>4.1%</a:t>
+                  </a:r>
+                  <a:endParaRPr lang="fr-FR" sz="701" dirty="0"/>
+                </a:p>
+              </p:txBody>
+            </p:sp>
+          </mc:Choice>
+          <mc:Fallback>
+            <p:sp>
+              <p:nvSpPr>
+                <p:cNvPr id="15" name="ZoneTexte 14"/>
+                <p:cNvSpPr txBox="1">
+                  <a:spLocks noRot="1" noChangeAspect="1" noMove="1" noResize="1" noEditPoints="1" noAdjustHandles="1" noChangeArrowheads="1" noChangeShapeType="1" noTextEdit="1"/>
+                </p:cNvSpPr>
+                <p:nvPr/>
+              </p:nvSpPr>
+              <p:spPr>
+                <a:xfrm>
+                  <a:off x="2570222" y="2976395"/>
+                  <a:ext cx="959930" cy="418384"/>
+                </a:xfrm>
+                <a:prstGeom prst="rect">
+                  <a:avLst/>
+                </a:prstGeom>
+                <a:blipFill>
+                  <a:blip r:embed="rId9"/>
+                  <a:stretch>
+                    <a:fillRect b="-1449"/>
+                  </a:stretch>
+                </a:blipFill>
+              </p:spPr>
+              <p:txBody>
+                <a:bodyPr/>
+                <a:lstStyle/>
+                <a:p>
+                  <a:r>
+                    <a:rPr lang="fr-FR">
+                      <a:noFill/>
+                    </a:rPr>
+                    <a:t> </a:t>
+                  </a:r>
+                </a:p>
+              </p:txBody>
+            </p:sp>
+          </mc:Fallback>
+        </mc:AlternateContent>
+        <mc:AlternateContent xmlns:mc="http://schemas.openxmlformats.org/markup-compatibility/2006">
+          <mc:Choice xmlns:a14="http://schemas.microsoft.com/office/drawing/2010/main" Requires="a14">
+            <p:sp>
+              <p:nvSpPr>
+                <p:cNvPr id="16" name="ZoneTexte 15"/>
+                <p:cNvSpPr txBox="1"/>
+                <p:nvPr/>
+              </p:nvSpPr>
+              <p:spPr>
+                <a:xfrm>
+                  <a:off x="3497299" y="2986729"/>
+                  <a:ext cx="976908" cy="418384"/>
+                </a:xfrm>
+                <a:prstGeom prst="rect">
+                  <a:avLst/>
+                </a:prstGeom>
+                <a:noFill/>
+              </p:spPr>
+              <p:txBody>
+                <a:bodyPr wrap="square" rtlCol="0">
+                  <a:spAutoFit/>
+                </a:bodyPr>
+                <a:lstStyle/>
+                <a:p>
+                  <a:pPr algn="ctr"/>
+                  <a:r>
+                    <a:rPr lang="fr-FR" sz="701" dirty="0" smtClean="0"/>
+                    <a:t>32</a:t>
+                  </a:r>
+                  <a:r>
+                    <a:rPr lang="fr-FR" sz="701" dirty="0" smtClean="0"/>
+                    <a:t> </a:t>
+                  </a:r>
+                  <a:r>
+                    <a:rPr lang="fr-FR" sz="701" dirty="0"/>
+                    <a:t>stations</a:t>
+                  </a:r>
+                </a:p>
+                <a:p>
+                  <a:pPr algn="ctr"/>
+                  <a14:m>
+                    <m:oMath xmlns:m="http://schemas.openxmlformats.org/officeDocument/2006/math">
+                      <m:sSub>
+                        <m:sSubPr>
+                          <m:ctrlPr>
+                            <a:rPr lang="fr-FR" sz="701" i="1">
+                              <a:latin typeface="Cambria Math" panose="02040503050406030204" pitchFamily="18" charset="0"/>
+                            </a:rPr>
+                          </m:ctrlPr>
+                        </m:sSubPr>
+                        <m:e>
+                          <m:acc>
+                            <m:accPr>
+                              <m:chr m:val="̅"/>
+                              <m:ctrlPr>
+                                <a:rPr lang="fr-FR" sz="701" i="1">
+                                  <a:latin typeface="Cambria Math" panose="02040503050406030204" pitchFamily="18" charset="0"/>
+                                </a:rPr>
+                              </m:ctrlPr>
+                            </m:accPr>
+                            <m:e>
+                              <m:r>
+                                <a:rPr lang="fr-FR" sz="701" i="1">
+                                  <a:latin typeface="Cambria Math" panose="02040503050406030204" pitchFamily="18" charset="0"/>
+                                  <a:ea typeface="Cambria Math" panose="02040503050406030204" pitchFamily="18" charset="0"/>
+                                </a:rPr>
+                                <m:t>𝛽</m:t>
+                              </m:r>
+                            </m:e>
+                          </m:acc>
+                        </m:e>
+                        <m:sub>
+                          <m:r>
+                            <a:rPr lang="fr-FR" sz="701" i="1" dirty="0">
+                              <a:latin typeface="Cambria Math" panose="02040503050406030204" pitchFamily="18" charset="0"/>
+                            </a:rPr>
+                            <m:t>𝑖𝑛𝑡𝑒𝑟</m:t>
+                          </m:r>
+                          <m:r>
+                            <a:rPr lang="fr-FR" sz="701" i="1" dirty="0">
+                              <a:latin typeface="Cambria Math" panose="02040503050406030204" pitchFamily="18" charset="0"/>
+                            </a:rPr>
+                            <m:t>−</m:t>
+                          </m:r>
+                          <m:r>
+                            <a:rPr lang="fr-FR" sz="701" i="1" dirty="0">
+                              <a:latin typeface="Cambria Math" panose="02040503050406030204" pitchFamily="18" charset="0"/>
+                            </a:rPr>
+                            <m:t>𝑠𝑡𝑎𝑡𝑖𝑜𝑛</m:t>
+                          </m:r>
+                        </m:sub>
+                      </m:sSub>
+                    </m:oMath>
+                  </a14:m>
+                  <a:r>
+                    <a:rPr lang="fr-FR" sz="701" dirty="0"/>
+                    <a:t>= </a:t>
+                  </a:r>
+                  <a:r>
+                    <a:rPr lang="fr-FR" sz="701" dirty="0" smtClean="0"/>
+                    <a:t>5</a:t>
+                  </a:r>
+                  <a:r>
+                    <a:rPr lang="fr-FR" sz="701" dirty="0" smtClean="0"/>
+                    <a:t>.6%</a:t>
+                  </a:r>
+                  <a:endParaRPr lang="fr-FR" sz="701" dirty="0"/>
+                </a:p>
+                <a:p>
+                  <a:pPr algn="ctr"/>
+                  <a14:m>
+                    <m:oMath xmlns:m="http://schemas.openxmlformats.org/officeDocument/2006/math">
+                      <m:sSub>
+                        <m:sSubPr>
+                          <m:ctrlPr>
+                            <a:rPr lang="fr-FR" sz="701" i="1">
+                              <a:latin typeface="Cambria Math" panose="02040503050406030204" pitchFamily="18" charset="0"/>
+                            </a:rPr>
+                          </m:ctrlPr>
+                        </m:sSubPr>
+                        <m:e>
+                          <m:acc>
+                            <m:accPr>
+                              <m:chr m:val="̅"/>
+                              <m:ctrlPr>
+                                <a:rPr lang="fr-FR" sz="701" i="1">
+                                  <a:latin typeface="Cambria Math" panose="02040503050406030204" pitchFamily="18" charset="0"/>
+                                </a:rPr>
+                              </m:ctrlPr>
+                            </m:accPr>
+                            <m:e>
+                              <m:r>
+                                <a:rPr lang="fr-FR" sz="701" i="1">
+                                  <a:latin typeface="Cambria Math" panose="02040503050406030204" pitchFamily="18" charset="0"/>
+                                  <a:ea typeface="Cambria Math" panose="02040503050406030204" pitchFamily="18" charset="0"/>
+                                </a:rPr>
+                                <m:t>𝛼</m:t>
+                              </m:r>
+                            </m:e>
+                          </m:acc>
+                        </m:e>
+                        <m:sub>
+                          <m:r>
+                            <a:rPr lang="fr-FR" sz="701" i="1" dirty="0">
+                              <a:latin typeface="Cambria Math" panose="02040503050406030204" pitchFamily="18" charset="0"/>
+                            </a:rPr>
+                            <m:t>𝑠𝑡𝑎𝑡𝑖𝑜𝑛</m:t>
+                          </m:r>
+                        </m:sub>
+                      </m:sSub>
+                    </m:oMath>
+                  </a14:m>
+                  <a:r>
+                    <a:rPr lang="fr-FR" sz="701" dirty="0"/>
+                    <a:t>= </a:t>
+                  </a:r>
+                  <a:r>
+                    <a:rPr lang="fr-FR" sz="701" dirty="0" smtClean="0"/>
+                    <a:t>5.8%</a:t>
+                  </a:r>
+                  <a:endParaRPr lang="fr-FR" sz="701" dirty="0"/>
+                </a:p>
+              </p:txBody>
+            </p:sp>
+          </mc:Choice>
+          <mc:Fallback>
+            <p:sp>
+              <p:nvSpPr>
+                <p:cNvPr id="16" name="ZoneTexte 15"/>
+                <p:cNvSpPr txBox="1">
+                  <a:spLocks noRot="1" noChangeAspect="1" noMove="1" noResize="1" noEditPoints="1" noAdjustHandles="1" noChangeArrowheads="1" noChangeShapeType="1" noTextEdit="1"/>
+                </p:cNvSpPr>
+                <p:nvPr/>
+              </p:nvSpPr>
+              <p:spPr>
+                <a:xfrm>
+                  <a:off x="3497299" y="2986729"/>
+                  <a:ext cx="976908" cy="418384"/>
+                </a:xfrm>
+                <a:prstGeom prst="rect">
+                  <a:avLst/>
+                </a:prstGeom>
+                <a:blipFill>
+                  <a:blip r:embed="rId10"/>
+                  <a:stretch>
+                    <a:fillRect b="-1449"/>
+                  </a:stretch>
+                </a:blipFill>
+              </p:spPr>
+              <p:txBody>
+                <a:bodyPr/>
+                <a:lstStyle/>
+                <a:p>
+                  <a:r>
+                    <a:rPr lang="fr-FR">
+                      <a:noFill/>
+                    </a:rPr>
+                    <a:t> </a:t>
+                  </a:r>
+                </a:p>
+              </p:txBody>
+            </p:sp>
+          </mc:Fallback>
+        </mc:AlternateContent>
+        <mc:AlternateContent xmlns:mc="http://schemas.openxmlformats.org/markup-compatibility/2006">
+          <mc:Choice xmlns:a14="http://schemas.microsoft.com/office/drawing/2010/main" Requires="a14">
+            <p:sp>
+              <p:nvSpPr>
+                <p:cNvPr id="17" name="ZoneTexte 16"/>
+                <p:cNvSpPr txBox="1"/>
+                <p:nvPr/>
+              </p:nvSpPr>
+              <p:spPr>
+                <a:xfrm>
+                  <a:off x="4583680" y="3420956"/>
+                  <a:ext cx="811350" cy="212238"/>
+                </a:xfrm>
+                <a:prstGeom prst="rect">
+                  <a:avLst/>
+                </a:prstGeom>
+                <a:noFill/>
+              </p:spPr>
+              <p:txBody>
+                <a:bodyPr wrap="square" rtlCol="0">
+                  <a:spAutoFit/>
+                </a:bodyPr>
+                <a:lstStyle/>
+                <a:p>
+                  <a14:m>
+                    <m:oMath xmlns:m="http://schemas.openxmlformats.org/officeDocument/2006/math">
+                      <m:sSub>
+                        <m:sSubPr>
+                          <m:ctrlPr>
+                            <a:rPr lang="fr-FR" sz="779" b="1" i="1">
+                              <a:solidFill>
+                                <a:srgbClr val="FF0000"/>
+                              </a:solidFill>
+                              <a:latin typeface="Cambria Math" panose="02040503050406030204" pitchFamily="18" charset="0"/>
+                            </a:rPr>
+                          </m:ctrlPr>
+                        </m:sSubPr>
+                        <m:e>
+                          <m:acc>
+                            <m:accPr>
+                              <m:chr m:val="̅"/>
+                              <m:ctrlPr>
+                                <a:rPr lang="fr-FR" sz="779" b="1" i="1">
+                                  <a:solidFill>
+                                    <a:srgbClr val="FF0000"/>
+                                  </a:solidFill>
+                                  <a:latin typeface="Cambria Math" panose="02040503050406030204" pitchFamily="18" charset="0"/>
+                                </a:rPr>
+                              </m:ctrlPr>
+                            </m:accPr>
+                            <m:e>
+                              <m:r>
+                                <a:rPr lang="fr-FR" sz="779" b="1" i="1">
+                                  <a:solidFill>
+                                    <a:srgbClr val="FF0000"/>
+                                  </a:solidFill>
+                                  <a:latin typeface="Cambria Math" panose="02040503050406030204" pitchFamily="18" charset="0"/>
+                                  <a:ea typeface="Cambria Math" panose="02040503050406030204" pitchFamily="18" charset="0"/>
+                                </a:rPr>
+                                <m:t>𝜶</m:t>
+                              </m:r>
+                            </m:e>
+                          </m:acc>
+                        </m:e>
+                        <m:sub>
+                          <m:r>
+                            <a:rPr lang="fr-FR" sz="779" b="1" i="1" dirty="0">
+                              <a:solidFill>
+                                <a:srgbClr val="FF0000"/>
+                              </a:solidFill>
+                              <a:latin typeface="Cambria Math" panose="02040503050406030204" pitchFamily="18" charset="0"/>
+                            </a:rPr>
+                            <m:t>𝒔𝒕𝒂𝒕𝒊𝒐𝒏</m:t>
+                          </m:r>
+                        </m:sub>
+                      </m:sSub>
+                    </m:oMath>
+                  </a14:m>
+                  <a:r>
+                    <a:rPr lang="fr-FR" sz="779" b="1" dirty="0">
+                      <a:solidFill>
+                        <a:srgbClr val="FF0000"/>
+                      </a:solidFill>
+                    </a:rPr>
+                    <a:t>= </a:t>
+                  </a:r>
+                  <a:r>
+                    <a:rPr lang="fr-FR" sz="779" b="1" dirty="0" smtClean="0">
+                      <a:solidFill>
+                        <a:srgbClr val="FF0000"/>
+                      </a:solidFill>
+                    </a:rPr>
+                    <a:t>5</a:t>
+                  </a:r>
+                  <a:r>
+                    <a:rPr lang="fr-FR" sz="779" b="1" dirty="0" smtClean="0">
+                      <a:solidFill>
+                        <a:srgbClr val="FF0000"/>
+                      </a:solidFill>
+                    </a:rPr>
+                    <a:t>.7%</a:t>
+                  </a:r>
+                  <a:endParaRPr lang="fr-FR" sz="779" b="1" dirty="0">
+                    <a:solidFill>
+                      <a:srgbClr val="FF0000"/>
+                    </a:solidFill>
+                  </a:endParaRPr>
+                </a:p>
+              </p:txBody>
+            </p:sp>
+          </mc:Choice>
+          <mc:Fallback>
+            <p:sp>
+              <p:nvSpPr>
+                <p:cNvPr id="17" name="ZoneTexte 16"/>
+                <p:cNvSpPr txBox="1">
+                  <a:spLocks noRot="1" noChangeAspect="1" noMove="1" noResize="1" noEditPoints="1" noAdjustHandles="1" noChangeArrowheads="1" noChangeShapeType="1" noTextEdit="1"/>
+                </p:cNvSpPr>
+                <p:nvPr/>
+              </p:nvSpPr>
+              <p:spPr>
+                <a:xfrm>
+                  <a:off x="4583680" y="3420956"/>
+                  <a:ext cx="811350" cy="212238"/>
+                </a:xfrm>
+                <a:prstGeom prst="rect">
+                  <a:avLst/>
+                </a:prstGeom>
+                <a:blipFill>
+                  <a:blip r:embed="rId11"/>
+                  <a:stretch>
+                    <a:fillRect b="-5714"/>
+                  </a:stretch>
+                </a:blipFill>
+              </p:spPr>
+              <p:txBody>
+                <a:bodyPr/>
+                <a:lstStyle/>
+                <a:p>
+                  <a:r>
+                    <a:rPr lang="fr-FR">
+                      <a:noFill/>
+                    </a:rPr>
+                    <a:t> </a:t>
+                  </a:r>
+                </a:p>
+              </p:txBody>
+            </p:sp>
+          </mc:Fallback>
+        </mc:AlternateContent>
+        <p:cxnSp>
+          <p:nvCxnSpPr>
+            <p:cNvPr id="22" name="Connecteur droit avec flèche 21"/>
+            <p:cNvCxnSpPr>
+              <a:endCxn id="9" idx="0"/>
+            </p:cNvCxnSpPr>
+            <p:nvPr/>
+          </p:nvCxnSpPr>
+          <p:spPr>
+            <a:xfrm flipH="1">
+              <a:off x="6833075" y="1865933"/>
+              <a:ext cx="5078" cy="347498"/>
+            </a:xfrm>
+            <a:prstGeom prst="straightConnector1">
+              <a:avLst/>
+            </a:prstGeom>
+            <a:ln>
+              <a:tailEnd type="triangle"/>
+            </a:ln>
+          </p:spPr>
+          <p:style>
+            <a:lnRef idx="1">
+              <a:schemeClr val="dk1"/>
+            </a:lnRef>
+            <a:fillRef idx="0">
+              <a:schemeClr val="dk1"/>
+            </a:fillRef>
+            <a:effectRef idx="0">
+              <a:schemeClr val="dk1"/>
+            </a:effectRef>
+            <a:fontRef idx="minor">
+              <a:schemeClr val="tx1"/>
+            </a:fontRef>
+          </p:style>
+        </p:cxnSp>
+        <p:cxnSp>
+          <p:nvCxnSpPr>
+            <p:cNvPr id="25" name="Connecteur droit avec flèche 24"/>
+            <p:cNvCxnSpPr>
+              <a:endCxn id="83" idx="0"/>
+            </p:cNvCxnSpPr>
+            <p:nvPr/>
+          </p:nvCxnSpPr>
+          <p:spPr>
+            <a:xfrm>
+              <a:off x="5857966" y="1871265"/>
+              <a:ext cx="8896" cy="380514"/>
+            </a:xfrm>
+            <a:prstGeom prst="straightConnector1">
+              <a:avLst/>
+            </a:prstGeom>
+            <a:ln>
+              <a:tailEnd type="triangle"/>
+            </a:ln>
+          </p:spPr>
+          <p:style>
+            <a:lnRef idx="1">
+              <a:schemeClr val="dk1"/>
+            </a:lnRef>
+            <a:fillRef idx="0">
+              <a:schemeClr val="dk1"/>
+            </a:fillRef>
+            <a:effectRef idx="0">
+              <a:schemeClr val="dk1"/>
+            </a:effectRef>
+            <a:fontRef idx="minor">
+              <a:schemeClr val="tx1"/>
+            </a:fontRef>
+          </p:style>
+        </p:cxnSp>
+        <p:cxnSp>
+          <p:nvCxnSpPr>
+            <p:cNvPr id="27" name="Connecteur droit avec flèche 26"/>
+            <p:cNvCxnSpPr>
+              <a:endCxn id="84" idx="0"/>
+            </p:cNvCxnSpPr>
+            <p:nvPr/>
+          </p:nvCxnSpPr>
+          <p:spPr>
+            <a:xfrm>
+              <a:off x="3008627" y="1870873"/>
+              <a:ext cx="7165" cy="368028"/>
+            </a:xfrm>
+            <a:prstGeom prst="straightConnector1">
+              <a:avLst/>
+            </a:prstGeom>
+            <a:ln>
+              <a:tailEnd type="triangle"/>
+            </a:ln>
+          </p:spPr>
+          <p:style>
+            <a:lnRef idx="1">
+              <a:schemeClr val="dk1"/>
+            </a:lnRef>
+            <a:fillRef idx="0">
+              <a:schemeClr val="dk1"/>
+            </a:fillRef>
+            <a:effectRef idx="0">
+              <a:schemeClr val="dk1"/>
+            </a:effectRef>
+            <a:fontRef idx="minor">
+              <a:schemeClr val="tx1"/>
+            </a:fontRef>
+          </p:style>
+        </p:cxnSp>
+        <p:cxnSp>
+          <p:nvCxnSpPr>
+            <p:cNvPr id="29" name="Connecteur droit avec flèche 28"/>
+            <p:cNvCxnSpPr>
+              <a:endCxn id="85" idx="0"/>
+            </p:cNvCxnSpPr>
+            <p:nvPr/>
+          </p:nvCxnSpPr>
+          <p:spPr>
+            <a:xfrm>
+              <a:off x="3968387" y="1865933"/>
+              <a:ext cx="4073" cy="375705"/>
+            </a:xfrm>
+            <a:prstGeom prst="straightConnector1">
+              <a:avLst/>
+            </a:prstGeom>
+            <a:ln>
+              <a:tailEnd type="triangle"/>
+            </a:ln>
+          </p:spPr>
+          <p:style>
+            <a:lnRef idx="1">
+              <a:schemeClr val="dk1"/>
+            </a:lnRef>
+            <a:fillRef idx="0">
+              <a:schemeClr val="dk1"/>
+            </a:fillRef>
+            <a:effectRef idx="0">
+              <a:schemeClr val="dk1"/>
+            </a:effectRef>
+            <a:fontRef idx="minor">
+              <a:schemeClr val="tx1"/>
+            </a:fontRef>
+          </p:style>
+        </p:cxnSp>
+        <p:cxnSp>
+          <p:nvCxnSpPr>
+            <p:cNvPr id="31" name="Connecteur droit avec flèche 30"/>
+            <p:cNvCxnSpPr>
+              <a:endCxn id="100" idx="0"/>
+            </p:cNvCxnSpPr>
+            <p:nvPr/>
+          </p:nvCxnSpPr>
+          <p:spPr>
+            <a:xfrm>
+              <a:off x="6837499" y="2545963"/>
+              <a:ext cx="3565" cy="420209"/>
+            </a:xfrm>
+            <a:prstGeom prst="straightConnector1">
+              <a:avLst/>
+            </a:prstGeom>
+            <a:ln>
+              <a:tailEnd type="triangle"/>
+            </a:ln>
+          </p:spPr>
+          <p:style>
+            <a:lnRef idx="1">
+              <a:schemeClr val="dk1"/>
+            </a:lnRef>
+            <a:fillRef idx="0">
+              <a:schemeClr val="dk1"/>
+            </a:fillRef>
+            <a:effectRef idx="0">
+              <a:schemeClr val="dk1"/>
+            </a:effectRef>
+            <a:fontRef idx="minor">
+              <a:schemeClr val="tx1"/>
+            </a:fontRef>
+          </p:style>
+        </p:cxnSp>
+        <p:cxnSp>
+          <p:nvCxnSpPr>
+            <p:cNvPr id="33" name="Connecteur droit avec flèche 32"/>
+            <p:cNvCxnSpPr>
+              <a:stCxn id="83" idx="4"/>
+              <a:endCxn id="103" idx="0"/>
+            </p:cNvCxnSpPr>
+            <p:nvPr/>
+          </p:nvCxnSpPr>
+          <p:spPr>
+            <a:xfrm flipH="1">
+              <a:off x="5864124" y="2554426"/>
+              <a:ext cx="2738" cy="405303"/>
+            </a:xfrm>
+            <a:prstGeom prst="straightConnector1">
+              <a:avLst/>
+            </a:prstGeom>
+            <a:ln>
+              <a:tailEnd type="triangle"/>
+            </a:ln>
+          </p:spPr>
+          <p:style>
+            <a:lnRef idx="1">
+              <a:schemeClr val="dk1"/>
+            </a:lnRef>
+            <a:fillRef idx="0">
+              <a:schemeClr val="dk1"/>
+            </a:fillRef>
+            <a:effectRef idx="0">
+              <a:schemeClr val="dk1"/>
+            </a:effectRef>
+            <a:fontRef idx="minor">
+              <a:schemeClr val="tx1"/>
+            </a:fontRef>
+          </p:style>
+        </p:cxnSp>
+        <p:cxnSp>
+          <p:nvCxnSpPr>
+            <p:cNvPr id="35" name="Connecteur droit avec flèche 34"/>
+            <p:cNvCxnSpPr>
+              <a:stCxn id="84" idx="4"/>
+              <a:endCxn id="108" idx="0"/>
+            </p:cNvCxnSpPr>
+            <p:nvPr/>
+          </p:nvCxnSpPr>
+          <p:spPr>
+            <a:xfrm>
+              <a:off x="3015792" y="2541548"/>
+              <a:ext cx="825" cy="424624"/>
+            </a:xfrm>
+            <a:prstGeom prst="straightConnector1">
+              <a:avLst/>
+            </a:prstGeom>
+            <a:ln>
+              <a:tailEnd type="triangle"/>
+            </a:ln>
+          </p:spPr>
+          <p:style>
+            <a:lnRef idx="1">
+              <a:schemeClr val="dk1"/>
+            </a:lnRef>
+            <a:fillRef idx="0">
+              <a:schemeClr val="dk1"/>
+            </a:fillRef>
+            <a:effectRef idx="0">
+              <a:schemeClr val="dk1"/>
+            </a:effectRef>
+            <a:fontRef idx="minor">
+              <a:schemeClr val="tx1"/>
+            </a:fontRef>
+          </p:style>
+        </p:cxnSp>
+        <p:cxnSp>
+          <p:nvCxnSpPr>
+            <p:cNvPr id="37" name="Connecteur droit avec flèche 36"/>
+            <p:cNvCxnSpPr>
+              <a:stCxn id="85" idx="4"/>
+              <a:endCxn id="115" idx="0"/>
+            </p:cNvCxnSpPr>
+            <p:nvPr/>
+          </p:nvCxnSpPr>
+          <p:spPr>
+            <a:xfrm flipH="1">
+              <a:off x="3970447" y="2544285"/>
+              <a:ext cx="2013" cy="421887"/>
+            </a:xfrm>
+            <a:prstGeom prst="straightConnector1">
+              <a:avLst/>
+            </a:prstGeom>
+            <a:ln>
+              <a:tailEnd type="triangle"/>
+            </a:ln>
+          </p:spPr>
+          <p:style>
+            <a:lnRef idx="1">
+              <a:schemeClr val="dk1"/>
+            </a:lnRef>
+            <a:fillRef idx="0">
+              <a:schemeClr val="dk1"/>
+            </a:fillRef>
+            <a:effectRef idx="0">
+              <a:schemeClr val="dk1"/>
+            </a:effectRef>
+            <a:fontRef idx="minor">
+              <a:schemeClr val="tx1"/>
+            </a:fontRef>
+          </p:style>
+        </p:cxnSp>
+        <p:cxnSp>
+          <p:nvCxnSpPr>
+            <p:cNvPr id="41" name="Connecteur droit avec flèche 40"/>
+            <p:cNvCxnSpPr>
+              <a:stCxn id="46" idx="4"/>
+              <a:endCxn id="6" idx="0"/>
+            </p:cNvCxnSpPr>
+            <p:nvPr/>
+          </p:nvCxnSpPr>
+          <p:spPr>
+            <a:xfrm>
+              <a:off x="4946297" y="666204"/>
+              <a:ext cx="2108" cy="426427"/>
+            </a:xfrm>
+            <a:prstGeom prst="straightConnector1">
+              <a:avLst/>
+            </a:prstGeom>
+            <a:ln>
+              <a:tailEnd type="triangle"/>
+            </a:ln>
+          </p:spPr>
+          <p:style>
+            <a:lnRef idx="1">
+              <a:schemeClr val="dk1"/>
+            </a:lnRef>
+            <a:fillRef idx="0">
+              <a:schemeClr val="dk1"/>
+            </a:fillRef>
+            <a:effectRef idx="0">
+              <a:schemeClr val="dk1"/>
+            </a:effectRef>
+            <a:fontRef idx="minor">
+              <a:schemeClr val="tx1"/>
+            </a:fontRef>
+          </p:style>
+        </p:cxnSp>
+        <p:cxnSp>
+          <p:nvCxnSpPr>
+            <p:cNvPr id="43" name="Connecteur droit avec flèche 42"/>
+            <p:cNvCxnSpPr>
+              <a:stCxn id="46" idx="4"/>
+              <a:endCxn id="7" idx="0"/>
+            </p:cNvCxnSpPr>
+            <p:nvPr/>
+          </p:nvCxnSpPr>
+          <p:spPr>
+            <a:xfrm>
+              <a:off x="4946297" y="666204"/>
+              <a:ext cx="922061" cy="430170"/>
+            </a:xfrm>
+            <a:prstGeom prst="straightConnector1">
+              <a:avLst/>
+            </a:prstGeom>
+            <a:ln>
+              <a:tailEnd type="triangle"/>
+            </a:ln>
+          </p:spPr>
+          <p:style>
+            <a:lnRef idx="1">
+              <a:schemeClr val="dk1"/>
+            </a:lnRef>
+            <a:fillRef idx="0">
+              <a:schemeClr val="dk1"/>
+            </a:fillRef>
+            <a:effectRef idx="0">
+              <a:schemeClr val="dk1"/>
+            </a:effectRef>
+            <a:fontRef idx="minor">
+              <a:schemeClr val="tx1"/>
+            </a:fontRef>
+          </p:style>
+        </p:cxnSp>
+        <p:sp>
+          <p:nvSpPr>
+            <p:cNvPr id="83" name="Ellipse 82"/>
+            <p:cNvSpPr/>
+            <p:nvPr/>
+          </p:nvSpPr>
+          <p:spPr>
+            <a:xfrm>
+              <a:off x="5542342" y="2251779"/>
+              <a:ext cx="649039" cy="302647"/>
+            </a:xfrm>
+            <a:prstGeom prst="ellipse">
+              <a:avLst/>
+            </a:prstGeom>
+            <a:noFill/>
+            <a:ln>
+              <a:solidFill>
+                <a:srgbClr val="A66019"/>
+              </a:solidFill>
+            </a:ln>
+          </p:spPr>
+          <p:style>
+            <a:lnRef idx="2">
+              <a:schemeClr val="accent4"/>
+            </a:lnRef>
+            <a:fillRef idx="1">
+              <a:schemeClr val="lt1"/>
+            </a:fillRef>
+            <a:effectRef idx="0">
+              <a:schemeClr val="accent4"/>
+            </a:effectRef>
+            <a:fontRef idx="minor">
+              <a:schemeClr val="dk1"/>
+            </a:fontRef>
+          </p:style>
+          <p:txBody>
+            <a:bodyPr rtlCol="0" anchor="ctr"/>
+            <a:lstStyle/>
+            <a:p>
+              <a:pPr algn="ctr"/>
+              <a:endParaRPr lang="fr-FR" sz="701"/>
+            </a:p>
+          </p:txBody>
+        </p:sp>
+        <p:sp>
+          <p:nvSpPr>
+            <p:cNvPr id="84" name="Ellipse 83"/>
+            <p:cNvSpPr/>
+            <p:nvPr/>
+          </p:nvSpPr>
+          <p:spPr>
+            <a:xfrm>
+              <a:off x="2645410" y="2238901"/>
+              <a:ext cx="740764" cy="302647"/>
+            </a:xfrm>
+            <a:prstGeom prst="ellipse">
+              <a:avLst/>
+            </a:prstGeom>
+            <a:noFill/>
+            <a:ln>
+              <a:solidFill>
+                <a:srgbClr val="00505E"/>
+              </a:solidFill>
+            </a:ln>
+          </p:spPr>
+          <p:style>
+            <a:lnRef idx="2">
+              <a:schemeClr val="accent1"/>
+            </a:lnRef>
+            <a:fillRef idx="1">
+              <a:schemeClr val="lt1"/>
+            </a:fillRef>
+            <a:effectRef idx="0">
+              <a:schemeClr val="accent1"/>
+            </a:effectRef>
+            <a:fontRef idx="minor">
+              <a:schemeClr val="dk1"/>
+            </a:fontRef>
+          </p:style>
+          <p:txBody>
+            <a:bodyPr rtlCol="0" anchor="ctr"/>
+            <a:lstStyle/>
+            <a:p>
+              <a:pPr algn="ctr"/>
+              <a:endParaRPr lang="fr-FR" sz="701"/>
+            </a:p>
+          </p:txBody>
+        </p:sp>
+        <p:sp>
+          <p:nvSpPr>
+            <p:cNvPr id="85" name="Ellipse 84"/>
+            <p:cNvSpPr/>
+            <p:nvPr/>
+          </p:nvSpPr>
+          <p:spPr>
+            <a:xfrm>
+              <a:off x="3607177" y="2241638"/>
+              <a:ext cx="730566" cy="302647"/>
+            </a:xfrm>
+            <a:prstGeom prst="ellipse">
+              <a:avLst/>
+            </a:prstGeom>
+            <a:noFill/>
+            <a:ln>
+              <a:solidFill>
+                <a:srgbClr val="75C4B7"/>
+              </a:solidFill>
+            </a:ln>
+          </p:spPr>
+          <p:style>
+            <a:lnRef idx="2">
+              <a:schemeClr val="accent4"/>
+            </a:lnRef>
+            <a:fillRef idx="1">
+              <a:schemeClr val="lt1"/>
+            </a:fillRef>
+            <a:effectRef idx="0">
+              <a:schemeClr val="accent4"/>
+            </a:effectRef>
+            <a:fontRef idx="minor">
+              <a:schemeClr val="dk1"/>
+            </a:fontRef>
+          </p:style>
+          <p:txBody>
+            <a:bodyPr rtlCol="0" anchor="ctr"/>
+            <a:lstStyle/>
+            <a:p>
+              <a:pPr algn="ctr"/>
+              <a:endParaRPr lang="fr-FR" sz="701"/>
+            </a:p>
+          </p:txBody>
+        </p:sp>
+        <p:sp>
+          <p:nvSpPr>
+            <p:cNvPr id="100" name="Ellipse 99"/>
+            <p:cNvSpPr/>
+            <p:nvPr/>
+          </p:nvSpPr>
+          <p:spPr>
+            <a:xfrm>
+              <a:off x="6435324" y="2966172"/>
+              <a:ext cx="817000" cy="460131"/>
+            </a:xfrm>
+            <a:prstGeom prst="ellipse">
+              <a:avLst/>
+            </a:prstGeom>
+            <a:noFill/>
+            <a:ln w="12700">
+              <a:solidFill>
+                <a:srgbClr val="E6A727"/>
+              </a:solidFill>
+            </a:ln>
+          </p:spPr>
+          <p:style>
+            <a:lnRef idx="1">
+              <a:schemeClr val="accent2"/>
+            </a:lnRef>
+            <a:fillRef idx="2">
+              <a:schemeClr val="accent2"/>
+            </a:fillRef>
+            <a:effectRef idx="1">
+              <a:schemeClr val="accent2"/>
+            </a:effectRef>
+            <a:fontRef idx="minor">
+              <a:schemeClr val="dk1"/>
+            </a:fontRef>
+          </p:style>
+          <p:txBody>
+            <a:bodyPr rtlCol="0" anchor="ctr"/>
+            <a:lstStyle/>
+            <a:p>
+              <a:pPr algn="ctr"/>
+              <a:endParaRPr lang="fr-FR" sz="701"/>
+            </a:p>
+          </p:txBody>
+        </p:sp>
+        <p:sp>
+          <p:nvSpPr>
+            <p:cNvPr id="103" name="Ellipse 102"/>
+            <p:cNvSpPr/>
+            <p:nvPr/>
+          </p:nvSpPr>
+          <p:spPr>
+            <a:xfrm>
+              <a:off x="5469042" y="2959729"/>
+              <a:ext cx="814579" cy="460131"/>
+            </a:xfrm>
+            <a:prstGeom prst="ellipse">
+              <a:avLst/>
+            </a:prstGeom>
+            <a:noFill/>
+            <a:ln>
+              <a:solidFill>
+                <a:srgbClr val="A66019"/>
+              </a:solidFill>
+            </a:ln>
+          </p:spPr>
+          <p:style>
+            <a:lnRef idx="2">
+              <a:schemeClr val="accent4"/>
+            </a:lnRef>
+            <a:fillRef idx="1">
+              <a:schemeClr val="lt1"/>
+            </a:fillRef>
+            <a:effectRef idx="0">
+              <a:schemeClr val="accent4"/>
+            </a:effectRef>
+            <a:fontRef idx="minor">
+              <a:schemeClr val="dk1"/>
+            </a:fontRef>
+          </p:style>
+          <p:txBody>
+            <a:bodyPr rtlCol="0" anchor="ctr"/>
+            <a:lstStyle/>
+            <a:p>
+              <a:pPr algn="ctr"/>
+              <a:endParaRPr lang="fr-FR" sz="701"/>
+            </a:p>
+          </p:txBody>
+        </p:sp>
+        <p:sp>
+          <p:nvSpPr>
+            <p:cNvPr id="108" name="Ellipse 107"/>
+            <p:cNvSpPr/>
+            <p:nvPr/>
+          </p:nvSpPr>
+          <p:spPr>
+            <a:xfrm>
+              <a:off x="2635707" y="2966172"/>
+              <a:ext cx="822180" cy="460131"/>
+            </a:xfrm>
+            <a:prstGeom prst="ellipse">
+              <a:avLst/>
+            </a:prstGeom>
+            <a:noFill/>
+            <a:ln>
+              <a:solidFill>
+                <a:srgbClr val="00505E"/>
+              </a:solidFill>
+            </a:ln>
+          </p:spPr>
+          <p:style>
+            <a:lnRef idx="2">
+              <a:schemeClr val="accent1"/>
+            </a:lnRef>
+            <a:fillRef idx="1">
+              <a:schemeClr val="lt1"/>
+            </a:fillRef>
+            <a:effectRef idx="0">
+              <a:schemeClr val="accent1"/>
+            </a:effectRef>
+            <a:fontRef idx="minor">
+              <a:schemeClr val="dk1"/>
+            </a:fontRef>
+          </p:style>
+          <p:txBody>
+            <a:bodyPr rtlCol="0" anchor="ctr"/>
+            <a:lstStyle/>
+            <a:p>
+              <a:pPr algn="ctr"/>
+              <a:endParaRPr lang="fr-FR" sz="701"/>
+            </a:p>
+          </p:txBody>
+        </p:sp>
+        <p:sp>
+          <p:nvSpPr>
+            <p:cNvPr id="115" name="Ellipse 114"/>
+            <p:cNvSpPr/>
+            <p:nvPr/>
+          </p:nvSpPr>
+          <p:spPr>
+            <a:xfrm>
+              <a:off x="3554066" y="2966172"/>
+              <a:ext cx="832762" cy="460131"/>
+            </a:xfrm>
+            <a:prstGeom prst="ellipse">
+              <a:avLst/>
+            </a:prstGeom>
+            <a:noFill/>
+            <a:ln>
+              <a:solidFill>
+                <a:srgbClr val="75C4B7"/>
+              </a:solidFill>
+            </a:ln>
+          </p:spPr>
+          <p:style>
+            <a:lnRef idx="2">
+              <a:schemeClr val="accent4"/>
+            </a:lnRef>
+            <a:fillRef idx="1">
+              <a:schemeClr val="lt1"/>
+            </a:fillRef>
+            <a:effectRef idx="0">
+              <a:schemeClr val="accent4"/>
+            </a:effectRef>
+            <a:fontRef idx="minor">
+              <a:schemeClr val="dk1"/>
+            </a:fontRef>
+          </p:style>
+          <p:txBody>
+            <a:bodyPr rtlCol="0" anchor="ctr"/>
+            <a:lstStyle/>
+            <a:p>
+              <a:pPr algn="ctr"/>
+              <a:endParaRPr lang="fr-FR" sz="701"/>
+            </a:p>
+          </p:txBody>
+        </p:sp>
+        <p:cxnSp>
+          <p:nvCxnSpPr>
+            <p:cNvPr id="39" name="Connecteur droit avec flèche 38"/>
+            <p:cNvCxnSpPr>
+              <a:stCxn id="46" idx="4"/>
+              <a:endCxn id="5" idx="0"/>
+            </p:cNvCxnSpPr>
+            <p:nvPr/>
+          </p:nvCxnSpPr>
+          <p:spPr>
+            <a:xfrm flipH="1">
+              <a:off x="4015866" y="666204"/>
+              <a:ext cx="930431" cy="426427"/>
+            </a:xfrm>
+            <a:prstGeom prst="straightConnector1">
+              <a:avLst/>
+            </a:prstGeom>
+            <a:ln>
+              <a:tailEnd type="triangle"/>
+            </a:ln>
+          </p:spPr>
+          <p:style>
+            <a:lnRef idx="1">
+              <a:schemeClr val="dk1"/>
+            </a:lnRef>
+            <a:fillRef idx="0">
+              <a:schemeClr val="dk1"/>
+            </a:fillRef>
+            <a:effectRef idx="0">
+              <a:schemeClr val="dk1"/>
+            </a:effectRef>
+            <a:fontRef idx="minor">
+              <a:schemeClr val="tx1"/>
+            </a:fontRef>
+          </p:style>
+        </p:cxnSp>
+        <mc:AlternateContent xmlns:mc="http://schemas.openxmlformats.org/markup-compatibility/2006">
+          <mc:Choice xmlns:a14="http://schemas.microsoft.com/office/drawing/2010/main" Requires="a14">
+            <p:sp>
+              <p:nvSpPr>
+                <p:cNvPr id="20" name="ZoneTexte 19"/>
+                <p:cNvSpPr txBox="1"/>
+                <p:nvPr/>
+              </p:nvSpPr>
+              <p:spPr>
+                <a:xfrm>
+                  <a:off x="4406494" y="775330"/>
+                  <a:ext cx="1054867" cy="223651"/>
+                </a:xfrm>
+                <a:prstGeom prst="rect">
+                  <a:avLst/>
+                </a:prstGeom>
+                <a:solidFill>
+                  <a:schemeClr val="bg1"/>
+                </a:solidFill>
+              </p:spPr>
+              <p:txBody>
+                <a:bodyPr wrap="square" rtlCol="0">
+                  <a:spAutoFit/>
+                </a:bodyPr>
+                <a:lstStyle/>
+                <a:p>
+                  <a14:m>
+                    <m:oMath xmlns:m="http://schemas.openxmlformats.org/officeDocument/2006/math">
+                      <m:sSub>
+                        <m:sSubPr>
+                          <m:ctrlPr>
+                            <a:rPr lang="fr-FR" sz="779" b="1" i="1">
+                              <a:solidFill>
+                                <a:srgbClr val="FF0000"/>
+                              </a:solidFill>
+                              <a:latin typeface="Cambria Math" panose="02040503050406030204" pitchFamily="18" charset="0"/>
+                            </a:rPr>
+                          </m:ctrlPr>
+                        </m:sSubPr>
+                        <m:e>
+                          <m:r>
+                            <a:rPr lang="fr-FR" sz="779" b="1" i="1">
+                              <a:solidFill>
+                                <a:srgbClr val="FF0000"/>
+                              </a:solidFill>
+                              <a:latin typeface="Cambria Math" panose="02040503050406030204" pitchFamily="18" charset="0"/>
+                              <a:ea typeface="Cambria Math" panose="02040503050406030204" pitchFamily="18" charset="0"/>
+                            </a:rPr>
+                            <m:t>𝛃</m:t>
+                          </m:r>
+                        </m:e>
+                        <m:sub>
+                          <m:r>
+                            <a:rPr lang="fr-FR" sz="779" b="1" i="1" dirty="0">
+                              <a:solidFill>
+                                <a:srgbClr val="FF0000"/>
+                              </a:solidFill>
+                              <a:latin typeface="Cambria Math" panose="02040503050406030204" pitchFamily="18" charset="0"/>
+                            </a:rPr>
+                            <m:t>𝒊𝒏𝒕𝒆𝒓</m:t>
+                          </m:r>
+                          <m:r>
+                            <a:rPr lang="fr-FR" sz="779" b="1" dirty="0">
+                              <a:solidFill>
+                                <a:srgbClr val="FF0000"/>
+                              </a:solidFill>
+                              <a:latin typeface="Cambria Math" panose="02040503050406030204" pitchFamily="18" charset="0"/>
+                            </a:rPr>
+                            <m:t>−</m:t>
+                          </m:r>
+                          <m:r>
+                            <a:rPr lang="fr-FR" sz="779" b="1" dirty="0">
+                              <a:solidFill>
+                                <a:srgbClr val="FF0000"/>
+                              </a:solidFill>
+                              <a:latin typeface="Cambria Math" panose="02040503050406030204" pitchFamily="18" charset="0"/>
+                            </a:rPr>
+                            <m:t>𝐫𝐞𝐠𝐢𝐨𝐧</m:t>
+                          </m:r>
+                        </m:sub>
+                      </m:sSub>
+                    </m:oMath>
+                  </a14:m>
+                  <a:r>
+                    <a:rPr lang="fr-FR" sz="779" b="1" dirty="0">
+                      <a:solidFill>
+                        <a:srgbClr val="FF0000"/>
+                      </a:solidFill>
+                    </a:rPr>
+                    <a:t>= </a:t>
+                  </a:r>
+                  <a:r>
+                    <a:rPr lang="fr-FR" sz="779" b="1" dirty="0" smtClean="0">
+                      <a:solidFill>
+                        <a:srgbClr val="FF0000"/>
+                      </a:solidFill>
+                    </a:rPr>
+                    <a:t>73.7%</a:t>
+                  </a:r>
+                  <a:endParaRPr lang="fr-FR" sz="779" b="1" dirty="0">
+                    <a:solidFill>
+                      <a:srgbClr val="FF0000"/>
+                    </a:solidFill>
+                  </a:endParaRPr>
+                </a:p>
+              </p:txBody>
+            </p:sp>
+          </mc:Choice>
+          <mc:Fallback>
+            <p:sp>
+              <p:nvSpPr>
+                <p:cNvPr id="20" name="ZoneTexte 19"/>
+                <p:cNvSpPr txBox="1">
+                  <a:spLocks noRot="1" noChangeAspect="1" noMove="1" noResize="1" noEditPoints="1" noAdjustHandles="1" noChangeArrowheads="1" noChangeShapeType="1" noTextEdit="1"/>
+                </p:cNvSpPr>
+                <p:nvPr/>
+              </p:nvSpPr>
+              <p:spPr>
+                <a:xfrm>
+                  <a:off x="4406494" y="775330"/>
+                  <a:ext cx="1054867" cy="223651"/>
+                </a:xfrm>
+                <a:prstGeom prst="rect">
+                  <a:avLst/>
+                </a:prstGeom>
+                <a:blipFill>
+                  <a:blip r:embed="rId12"/>
+                  <a:stretch>
+                    <a:fillRect/>
+                  </a:stretch>
+                </a:blipFill>
+              </p:spPr>
+              <p:txBody>
+                <a:bodyPr/>
+                <a:lstStyle/>
+                <a:p>
+                  <a:r>
+                    <a:rPr lang="fr-FR">
+                      <a:noFill/>
+                    </a:rPr>
+                    <a:t> </a:t>
+                  </a:r>
+                </a:p>
+              </p:txBody>
+            </p:sp>
+          </mc:Fallback>
+        </mc:AlternateContent>
+        <mc:AlternateContent xmlns:mc="http://schemas.openxmlformats.org/markup-compatibility/2006">
+          <mc:Choice xmlns:a14="http://schemas.microsoft.com/office/drawing/2010/main" Requires="a14">
+            <p:sp>
+              <p:nvSpPr>
+                <p:cNvPr id="19" name="ZoneTexte 18"/>
+                <p:cNvSpPr txBox="1"/>
+                <p:nvPr/>
+              </p:nvSpPr>
+              <p:spPr>
+                <a:xfrm>
+                  <a:off x="4445252" y="1912223"/>
+                  <a:ext cx="959001" cy="214995"/>
+                </a:xfrm>
+                <a:prstGeom prst="rect">
+                  <a:avLst/>
+                </a:prstGeom>
+                <a:solidFill>
+                  <a:schemeClr val="bg1"/>
+                </a:solidFill>
+              </p:spPr>
+              <p:txBody>
+                <a:bodyPr wrap="square" rtlCol="0">
+                  <a:spAutoFit/>
+                </a:bodyPr>
+                <a:lstStyle/>
+                <a:p>
+                  <a14:m>
+                    <m:oMath xmlns:m="http://schemas.openxmlformats.org/officeDocument/2006/math">
+                      <m:sSub>
+                        <m:sSubPr>
+                          <m:ctrlPr>
+                            <a:rPr lang="fr-FR" sz="779" b="1" i="1">
+                              <a:solidFill>
+                                <a:srgbClr val="FF0000"/>
+                              </a:solidFill>
+                              <a:latin typeface="Cambria Math" panose="02040503050406030204" pitchFamily="18" charset="0"/>
+                            </a:rPr>
+                          </m:ctrlPr>
+                        </m:sSubPr>
+                        <m:e>
+                          <m:acc>
+                            <m:accPr>
+                              <m:chr m:val="̅"/>
+                              <m:ctrlPr>
+                                <a:rPr lang="fr-FR" sz="779" b="1" i="1">
+                                  <a:solidFill>
+                                    <a:srgbClr val="FF0000"/>
+                                  </a:solidFill>
+                                  <a:latin typeface="Cambria Math" panose="02040503050406030204" pitchFamily="18" charset="0"/>
+                                </a:rPr>
+                              </m:ctrlPr>
+                            </m:accPr>
+                            <m:e>
+                              <m:r>
+                                <a:rPr lang="fr-FR" sz="779" b="1" i="1">
+                                  <a:solidFill>
+                                    <a:srgbClr val="FF0000"/>
+                                  </a:solidFill>
+                                  <a:latin typeface="Cambria Math" panose="02040503050406030204" pitchFamily="18" charset="0"/>
+                                </a:rPr>
+                                <m:t>𝜷</m:t>
+                              </m:r>
+                            </m:e>
+                          </m:acc>
+                        </m:e>
+                        <m:sub>
+                          <m:r>
+                            <a:rPr lang="fr-FR" sz="779" b="1" i="1" dirty="0">
+                              <a:solidFill>
+                                <a:srgbClr val="FF0000"/>
+                              </a:solidFill>
+                              <a:latin typeface="Cambria Math" panose="02040503050406030204" pitchFamily="18" charset="0"/>
+                            </a:rPr>
+                            <m:t>𝒊𝒏𝒕𝒆𝒓</m:t>
+                          </m:r>
+                          <m:r>
+                            <a:rPr lang="fr-FR" sz="779" b="1" dirty="0">
+                              <a:solidFill>
+                                <a:srgbClr val="FF0000"/>
+                              </a:solidFill>
+                              <a:latin typeface="Cambria Math" panose="02040503050406030204" pitchFamily="18" charset="0"/>
+                            </a:rPr>
+                            <m:t>−</m:t>
+                          </m:r>
+                          <m:r>
+                            <a:rPr lang="fr-FR" sz="779" b="1" i="1" dirty="0">
+                              <a:solidFill>
+                                <a:srgbClr val="FF0000"/>
+                              </a:solidFill>
+                              <a:latin typeface="Cambria Math" panose="02040503050406030204" pitchFamily="18" charset="0"/>
+                            </a:rPr>
+                            <m:t>𝒔</m:t>
+                          </m:r>
+                          <m:r>
+                            <a:rPr lang="fr-FR" sz="779" b="1" dirty="0">
+                              <a:solidFill>
+                                <a:srgbClr val="FF0000"/>
+                              </a:solidFill>
+                              <a:latin typeface="Cambria Math" panose="02040503050406030204" pitchFamily="18" charset="0"/>
+                            </a:rPr>
+                            <m:t>𝐢𝐭𝐞</m:t>
+                          </m:r>
+                        </m:sub>
+                      </m:sSub>
+                    </m:oMath>
+                  </a14:m>
+                  <a:r>
+                    <a:rPr lang="fr-FR" sz="779" b="1" dirty="0">
+                      <a:solidFill>
+                        <a:srgbClr val="FF0000"/>
+                      </a:solidFill>
+                    </a:rPr>
+                    <a:t>= </a:t>
+                  </a:r>
+                  <a:r>
+                    <a:rPr lang="fr-FR" sz="779" b="1" dirty="0" smtClean="0">
+                      <a:solidFill>
+                        <a:srgbClr val="FF0000"/>
+                      </a:solidFill>
+                    </a:rPr>
+                    <a:t>14,8%</a:t>
+                  </a:r>
+                  <a:endParaRPr lang="fr-FR" sz="779" b="1" dirty="0">
+                    <a:solidFill>
+                      <a:srgbClr val="FF0000"/>
+                    </a:solidFill>
+                  </a:endParaRPr>
+                </a:p>
+              </p:txBody>
+            </p:sp>
+          </mc:Choice>
+          <mc:Fallback>
+            <p:sp>
+              <p:nvSpPr>
+                <p:cNvPr id="19" name="ZoneTexte 18"/>
+                <p:cNvSpPr txBox="1">
+                  <a:spLocks noRot="1" noChangeAspect="1" noMove="1" noResize="1" noEditPoints="1" noAdjustHandles="1" noChangeArrowheads="1" noChangeShapeType="1" noTextEdit="1"/>
+                </p:cNvSpPr>
+                <p:nvPr/>
+              </p:nvSpPr>
+              <p:spPr>
+                <a:xfrm>
+                  <a:off x="4445252" y="1912223"/>
+                  <a:ext cx="959001" cy="214995"/>
+                </a:xfrm>
+                <a:prstGeom prst="rect">
+                  <a:avLst/>
+                </a:prstGeom>
+                <a:blipFill>
+                  <a:blip r:embed="rId13"/>
+                  <a:stretch>
+                    <a:fillRect b="-5714"/>
+                  </a:stretch>
+                </a:blipFill>
+              </p:spPr>
+              <p:txBody>
+                <a:bodyPr/>
+                <a:lstStyle/>
+                <a:p>
+                  <a:r>
+                    <a:rPr lang="fr-FR">
+                      <a:noFill/>
+                    </a:rPr>
+                    <a:t> </a:t>
+                  </a:r>
+                </a:p>
+              </p:txBody>
+            </p:sp>
+          </mc:Fallback>
+        </mc:AlternateContent>
+        <mc:AlternateContent xmlns:mc="http://schemas.openxmlformats.org/markup-compatibility/2006">
+          <mc:Choice xmlns:a14="http://schemas.microsoft.com/office/drawing/2010/main" Requires="a14">
+            <p:sp>
+              <p:nvSpPr>
+                <p:cNvPr id="18" name="ZoneTexte 17"/>
+                <p:cNvSpPr txBox="1"/>
+                <p:nvPr/>
+              </p:nvSpPr>
+              <p:spPr>
+                <a:xfrm>
+                  <a:off x="4419049" y="2605073"/>
+                  <a:ext cx="1054494" cy="214995"/>
+                </a:xfrm>
+                <a:prstGeom prst="rect">
+                  <a:avLst/>
+                </a:prstGeom>
+                <a:solidFill>
+                  <a:schemeClr val="bg1"/>
+                </a:solidFill>
+              </p:spPr>
+              <p:txBody>
+                <a:bodyPr wrap="square" rtlCol="0">
+                  <a:spAutoFit/>
+                </a:bodyPr>
+                <a:lstStyle/>
+                <a:p>
+                  <a14:m>
+                    <m:oMath xmlns:m="http://schemas.openxmlformats.org/officeDocument/2006/math">
+                      <m:sSub>
+                        <m:sSubPr>
+                          <m:ctrlPr>
+                            <a:rPr lang="fr-FR" sz="779" b="1" i="1">
+                              <a:solidFill>
+                                <a:srgbClr val="FF0000"/>
+                              </a:solidFill>
+                              <a:latin typeface="Cambria Math" panose="02040503050406030204" pitchFamily="18" charset="0"/>
+                            </a:rPr>
+                          </m:ctrlPr>
+                        </m:sSubPr>
+                        <m:e>
+                          <m:acc>
+                            <m:accPr>
+                              <m:chr m:val="̅"/>
+                              <m:ctrlPr>
+                                <a:rPr lang="fr-FR" sz="779" b="1" i="1">
+                                  <a:solidFill>
+                                    <a:srgbClr val="FF0000"/>
+                                  </a:solidFill>
+                                  <a:latin typeface="Cambria Math" panose="02040503050406030204" pitchFamily="18" charset="0"/>
+                                </a:rPr>
+                              </m:ctrlPr>
+                            </m:accPr>
+                            <m:e>
+                              <m:r>
+                                <a:rPr lang="fr-FR" sz="779" b="1" i="1">
+                                  <a:solidFill>
+                                    <a:srgbClr val="FF0000"/>
+                                  </a:solidFill>
+                                  <a:latin typeface="Cambria Math" panose="02040503050406030204" pitchFamily="18" charset="0"/>
+                                </a:rPr>
+                                <m:t>𝜷</m:t>
+                              </m:r>
+                            </m:e>
+                          </m:acc>
+                        </m:e>
+                        <m:sub>
+                          <m:r>
+                            <a:rPr lang="fr-FR" sz="779" b="1" i="1" dirty="0">
+                              <a:solidFill>
+                                <a:srgbClr val="FF0000"/>
+                              </a:solidFill>
+                              <a:latin typeface="Cambria Math" panose="02040503050406030204" pitchFamily="18" charset="0"/>
+                            </a:rPr>
+                            <m:t>𝒊𝒏𝒕𝒆𝒓</m:t>
+                          </m:r>
+                          <m:r>
+                            <a:rPr lang="fr-FR" sz="779" b="1" dirty="0">
+                              <a:solidFill>
+                                <a:srgbClr val="FF0000"/>
+                              </a:solidFill>
+                              <a:latin typeface="Cambria Math" panose="02040503050406030204" pitchFamily="18" charset="0"/>
+                            </a:rPr>
+                            <m:t>−</m:t>
+                          </m:r>
+                          <m:r>
+                            <a:rPr lang="fr-FR" sz="779" b="1" i="1" dirty="0">
+                              <a:solidFill>
+                                <a:srgbClr val="FF0000"/>
+                              </a:solidFill>
+                              <a:latin typeface="Cambria Math" panose="02040503050406030204" pitchFamily="18" charset="0"/>
+                            </a:rPr>
+                            <m:t>𝒔𝒕𝒂𝒕𝒊𝒐𝒏</m:t>
+                          </m:r>
+                        </m:sub>
+                      </m:sSub>
+                    </m:oMath>
+                  </a14:m>
+                  <a:r>
+                    <a:rPr lang="fr-FR" sz="779" b="1" dirty="0">
+                      <a:solidFill>
+                        <a:srgbClr val="FF0000"/>
+                      </a:solidFill>
+                    </a:rPr>
+                    <a:t>= </a:t>
+                  </a:r>
+                  <a:r>
+                    <a:rPr lang="fr-FR" sz="779" b="1" dirty="0" smtClean="0">
+                      <a:solidFill>
+                        <a:srgbClr val="FF0000"/>
+                      </a:solidFill>
+                    </a:rPr>
+                    <a:t>5,9%</a:t>
+                  </a:r>
+                  <a:endParaRPr lang="fr-FR" sz="779" b="1" dirty="0">
+                    <a:solidFill>
+                      <a:srgbClr val="FF0000"/>
+                    </a:solidFill>
+                  </a:endParaRPr>
+                </a:p>
+              </p:txBody>
+            </p:sp>
+          </mc:Choice>
+          <mc:Fallback>
+            <p:sp>
+              <p:nvSpPr>
+                <p:cNvPr id="18" name="ZoneTexte 17"/>
+                <p:cNvSpPr txBox="1">
+                  <a:spLocks noRot="1" noChangeAspect="1" noMove="1" noResize="1" noEditPoints="1" noAdjustHandles="1" noChangeArrowheads="1" noChangeShapeType="1" noTextEdit="1"/>
+                </p:cNvSpPr>
+                <p:nvPr/>
+              </p:nvSpPr>
+              <p:spPr>
+                <a:xfrm>
+                  <a:off x="4419049" y="2605073"/>
+                  <a:ext cx="1054494" cy="214995"/>
+                </a:xfrm>
+                <a:prstGeom prst="rect">
+                  <a:avLst/>
+                </a:prstGeom>
+                <a:blipFill>
+                  <a:blip r:embed="rId14"/>
+                  <a:stretch>
+                    <a:fillRect b="-5556"/>
+                  </a:stretch>
+                </a:blipFill>
+              </p:spPr>
+              <p:txBody>
+                <a:bodyPr/>
+                <a:lstStyle/>
+                <a:p>
+                  <a:r>
+                    <a:rPr lang="fr-FR">
+                      <a:noFill/>
+                    </a:rPr>
+                    <a:t> </a:t>
+                  </a:r>
+                </a:p>
+              </p:txBody>
+            </p:sp>
+          </mc:Fallback>
+        </mc:AlternateContent>
+        <p:cxnSp>
+          <p:nvCxnSpPr>
+            <p:cNvPr id="45" name="Connecteur droit avec flèche 44"/>
+            <p:cNvCxnSpPr>
+              <a:stCxn id="46" idx="4"/>
+              <a:endCxn id="8" idx="0"/>
+            </p:cNvCxnSpPr>
+            <p:nvPr/>
+          </p:nvCxnSpPr>
+          <p:spPr>
+            <a:xfrm>
+              <a:off x="4946297" y="666204"/>
+              <a:ext cx="1854680" cy="432881"/>
+            </a:xfrm>
+            <a:prstGeom prst="straightConnector1">
+              <a:avLst/>
+            </a:prstGeom>
+            <a:ln>
+              <a:tailEnd type="triangle"/>
+            </a:ln>
+          </p:spPr>
+          <p:style>
+            <a:lnRef idx="1">
+              <a:schemeClr val="dk1"/>
+            </a:lnRef>
+            <a:fillRef idx="0">
+              <a:schemeClr val="dk1"/>
+            </a:fillRef>
+            <a:effectRef idx="0">
+              <a:schemeClr val="dk1"/>
+            </a:effectRef>
+            <a:fontRef idx="minor">
+              <a:schemeClr val="tx1"/>
+            </a:fontRef>
+          </p:style>
+        </p:cxnSp>
+        <p:sp>
+          <p:nvSpPr>
+            <p:cNvPr id="50" name="ZoneTexte 49"/>
+            <p:cNvSpPr txBox="1"/>
+            <p:nvPr/>
+          </p:nvSpPr>
+          <p:spPr>
+            <a:xfrm>
+              <a:off x="4449461" y="1073720"/>
+              <a:ext cx="949551" cy="200183"/>
+            </a:xfrm>
+            <a:prstGeom prst="rect">
+              <a:avLst/>
+            </a:prstGeom>
+            <a:noFill/>
+          </p:spPr>
+          <p:txBody>
+            <a:bodyPr wrap="square" rtlCol="0">
+              <a:spAutoFit/>
+            </a:bodyPr>
+            <a:lstStyle/>
+            <a:p>
+              <a:r>
+                <a:rPr lang="fr-FR" sz="701" b="1" dirty="0" smtClean="0"/>
+                <a:t>Tropical SW Pacific</a:t>
+              </a:r>
+              <a:endParaRPr lang="fr-FR" sz="701" b="1" dirty="0"/>
+            </a:p>
+          </p:txBody>
+        </p:sp>
+        <p:sp>
+          <p:nvSpPr>
+            <p:cNvPr id="52" name="Ellipse 51"/>
+            <p:cNvSpPr/>
+            <p:nvPr/>
+          </p:nvSpPr>
+          <p:spPr>
+            <a:xfrm>
+              <a:off x="4501651" y="2250606"/>
+              <a:ext cx="770116" cy="302647"/>
+            </a:xfrm>
+            <a:prstGeom prst="ellipse">
+              <a:avLst/>
+            </a:prstGeom>
+            <a:noFill/>
+            <a:ln w="12700">
+              <a:solidFill>
+                <a:srgbClr val="AC1F30"/>
+              </a:solidFill>
+            </a:ln>
+          </p:spPr>
+          <p:style>
+            <a:lnRef idx="1">
+              <a:schemeClr val="accent2"/>
+            </a:lnRef>
+            <a:fillRef idx="2">
+              <a:schemeClr val="accent2"/>
+            </a:fillRef>
+            <a:effectRef idx="1">
+              <a:schemeClr val="accent2"/>
+            </a:effectRef>
+            <a:fontRef idx="minor">
+              <a:schemeClr val="dk1"/>
+            </a:fontRef>
+          </p:style>
+          <p:txBody>
+            <a:bodyPr rtlCol="0" anchor="ctr"/>
+            <a:lstStyle/>
+            <a:p>
+              <a:pPr algn="ctr"/>
+              <a:endParaRPr lang="fr-FR" sz="701"/>
+            </a:p>
+          </p:txBody>
+        </p:sp>
+        <mc:AlternateContent xmlns:mc="http://schemas.openxmlformats.org/markup-compatibility/2006">
+          <mc:Choice xmlns:a14="http://schemas.microsoft.com/office/drawing/2010/main" Requires="a14">
+            <p:sp>
+              <p:nvSpPr>
+                <p:cNvPr id="53" name="ZoneTexte 52"/>
+                <p:cNvSpPr txBox="1"/>
+                <p:nvPr/>
+              </p:nvSpPr>
+              <p:spPr>
+                <a:xfrm>
+                  <a:off x="4401793" y="2213897"/>
+                  <a:ext cx="956855" cy="308033"/>
+                </a:xfrm>
+                <a:prstGeom prst="rect">
+                  <a:avLst/>
+                </a:prstGeom>
+                <a:noFill/>
+              </p:spPr>
+              <p:txBody>
+                <a:bodyPr wrap="square" rtlCol="0">
+                  <a:spAutoFit/>
+                </a:bodyPr>
+                <a:lstStyle/>
+                <a:p>
+                  <a:pPr algn="ctr"/>
+                  <a:r>
+                    <a:rPr lang="fr-FR" sz="701" dirty="0"/>
+                    <a:t>6</a:t>
+                  </a:r>
+                  <a:r>
+                    <a:rPr lang="fr-FR" sz="701" dirty="0" smtClean="0"/>
+                    <a:t> </a:t>
+                  </a:r>
+                  <a:r>
+                    <a:rPr lang="fr-FR" sz="701" dirty="0"/>
+                    <a:t>sites</a:t>
+                  </a:r>
+                </a:p>
+                <a:p>
+                  <a:pPr algn="ctr"/>
+                  <a14:m>
+                    <m:oMath xmlns:m="http://schemas.openxmlformats.org/officeDocument/2006/math">
+                      <m:sSub>
+                        <m:sSubPr>
+                          <m:ctrlPr>
+                            <a:rPr lang="fr-FR" sz="701" i="1">
+                              <a:latin typeface="Cambria Math" panose="02040503050406030204" pitchFamily="18" charset="0"/>
+                            </a:rPr>
+                          </m:ctrlPr>
+                        </m:sSubPr>
+                        <m:e>
+                          <m:r>
+                            <m:rPr>
+                              <m:nor/>
+                            </m:rPr>
+                            <a:rPr lang="el-GR" sz="701" dirty="0">
+                              <a:latin typeface="Cambria Math" panose="02040503050406030204" pitchFamily="18" charset="0"/>
+                              <a:ea typeface="Cambria Math" panose="02040503050406030204" pitchFamily="18" charset="0"/>
+                            </a:rPr>
+                            <m:t>β</m:t>
+                          </m:r>
+                        </m:e>
+                        <m:sub>
+                          <m:r>
+                            <a:rPr lang="fr-FR" sz="701" i="1" dirty="0">
+                              <a:latin typeface="Cambria Math" panose="02040503050406030204" pitchFamily="18" charset="0"/>
+                            </a:rPr>
+                            <m:t>𝑖𝑛𝑡𝑒𝑟</m:t>
+                          </m:r>
+                          <m:r>
+                            <a:rPr lang="fr-FR" sz="701" i="1" dirty="0">
+                              <a:latin typeface="Cambria Math" panose="02040503050406030204" pitchFamily="18" charset="0"/>
+                            </a:rPr>
+                            <m:t>−</m:t>
+                          </m:r>
+                          <m:r>
+                            <a:rPr lang="fr-FR" sz="701" i="1" dirty="0">
+                              <a:latin typeface="Cambria Math" panose="02040503050406030204" pitchFamily="18" charset="0"/>
+                            </a:rPr>
+                            <m:t>𝑠𝑖𝑡𝑒</m:t>
+                          </m:r>
+                        </m:sub>
+                      </m:sSub>
+                    </m:oMath>
+                  </a14:m>
+                  <a:r>
+                    <a:rPr lang="fr-FR" sz="701" dirty="0"/>
+                    <a:t>= </a:t>
+                  </a:r>
+                  <a:r>
+                    <a:rPr lang="fr-FR" sz="701" dirty="0" smtClean="0"/>
+                    <a:t>20</a:t>
+                  </a:r>
+                  <a:r>
+                    <a:rPr lang="fr-FR" sz="701" dirty="0" smtClean="0"/>
+                    <a:t>.6%</a:t>
+                  </a:r>
+                  <a:endParaRPr lang="fr-FR" sz="701" dirty="0"/>
+                </a:p>
+              </p:txBody>
+            </p:sp>
+          </mc:Choice>
+          <mc:Fallback>
+            <p:sp>
+              <p:nvSpPr>
+                <p:cNvPr id="53" name="ZoneTexte 52"/>
+                <p:cNvSpPr txBox="1">
+                  <a:spLocks noRot="1" noChangeAspect="1" noMove="1" noResize="1" noEditPoints="1" noAdjustHandles="1" noChangeArrowheads="1" noChangeShapeType="1" noTextEdit="1"/>
+                </p:cNvSpPr>
+                <p:nvPr/>
+              </p:nvSpPr>
+              <p:spPr>
+                <a:xfrm>
+                  <a:off x="4401793" y="2213897"/>
+                  <a:ext cx="956855" cy="308033"/>
+                </a:xfrm>
+                <a:prstGeom prst="rect">
+                  <a:avLst/>
+                </a:prstGeom>
+                <a:blipFill>
+                  <a:blip r:embed="rId15"/>
+                  <a:stretch>
+                    <a:fillRect b="-1961"/>
+                  </a:stretch>
+                </a:blipFill>
+              </p:spPr>
+              <p:txBody>
+                <a:bodyPr/>
+                <a:lstStyle/>
+                <a:p>
+                  <a:r>
+                    <a:rPr lang="fr-FR">
+                      <a:noFill/>
+                    </a:rPr>
+                    <a:t> </a:t>
+                  </a:r>
+                </a:p>
+              </p:txBody>
+            </p:sp>
+          </mc:Fallback>
+        </mc:AlternateContent>
+        <mc:AlternateContent xmlns:mc="http://schemas.openxmlformats.org/markup-compatibility/2006">
+          <mc:Choice xmlns:a14="http://schemas.microsoft.com/office/drawing/2010/main" Requires="a14">
+            <p:sp>
+              <p:nvSpPr>
+                <p:cNvPr id="54" name="ZoneTexte 53"/>
+                <p:cNvSpPr txBox="1"/>
+                <p:nvPr/>
+              </p:nvSpPr>
+              <p:spPr>
+                <a:xfrm>
+                  <a:off x="4353350" y="2983685"/>
+                  <a:ext cx="1071953" cy="418384"/>
+                </a:xfrm>
+                <a:prstGeom prst="rect">
+                  <a:avLst/>
+                </a:prstGeom>
+                <a:noFill/>
+              </p:spPr>
+              <p:txBody>
+                <a:bodyPr wrap="square" rtlCol="0">
+                  <a:spAutoFit/>
+                </a:bodyPr>
+                <a:lstStyle/>
+                <a:p>
+                  <a:pPr algn="ctr"/>
+                  <a:r>
+                    <a:rPr lang="fr-FR" sz="701" dirty="0"/>
+                    <a:t>1</a:t>
+                  </a:r>
+                  <a:r>
+                    <a:rPr lang="fr-FR" sz="701" dirty="0" smtClean="0"/>
+                    <a:t>8 </a:t>
+                  </a:r>
+                  <a:r>
+                    <a:rPr lang="fr-FR" sz="701" dirty="0"/>
+                    <a:t>stations</a:t>
+                  </a:r>
+                </a:p>
+                <a:p>
+                  <a:pPr algn="ctr"/>
+                  <a14:m>
+                    <m:oMath xmlns:m="http://schemas.openxmlformats.org/officeDocument/2006/math">
+                      <m:sSub>
+                        <m:sSubPr>
+                          <m:ctrlPr>
+                            <a:rPr lang="fr-FR" sz="701" i="1">
+                              <a:latin typeface="Cambria Math" panose="02040503050406030204" pitchFamily="18" charset="0"/>
+                            </a:rPr>
+                          </m:ctrlPr>
+                        </m:sSubPr>
+                        <m:e>
+                          <m:acc>
+                            <m:accPr>
+                              <m:chr m:val="̅"/>
+                              <m:ctrlPr>
+                                <a:rPr lang="fr-FR" sz="701" i="1">
+                                  <a:latin typeface="Cambria Math" panose="02040503050406030204" pitchFamily="18" charset="0"/>
+                                </a:rPr>
+                              </m:ctrlPr>
+                            </m:accPr>
+                            <m:e>
+                              <m:r>
+                                <a:rPr lang="fr-FR" sz="701" i="1">
+                                  <a:latin typeface="Cambria Math" panose="02040503050406030204" pitchFamily="18" charset="0"/>
+                                  <a:ea typeface="Cambria Math" panose="02040503050406030204" pitchFamily="18" charset="0"/>
+                                </a:rPr>
+                                <m:t>𝛽</m:t>
+                              </m:r>
+                            </m:e>
+                          </m:acc>
+                        </m:e>
+                        <m:sub>
+                          <m:r>
+                            <a:rPr lang="fr-FR" sz="701" i="1" dirty="0">
+                              <a:latin typeface="Cambria Math" panose="02040503050406030204" pitchFamily="18" charset="0"/>
+                            </a:rPr>
+                            <m:t>𝑖𝑛𝑡𝑒𝑟</m:t>
+                          </m:r>
+                          <m:r>
+                            <a:rPr lang="fr-FR" sz="701" i="1" dirty="0">
+                              <a:latin typeface="Cambria Math" panose="02040503050406030204" pitchFamily="18" charset="0"/>
+                            </a:rPr>
+                            <m:t>−</m:t>
+                          </m:r>
+                          <m:r>
+                            <a:rPr lang="fr-FR" sz="701" i="1" dirty="0">
+                              <a:latin typeface="Cambria Math" panose="02040503050406030204" pitchFamily="18" charset="0"/>
+                            </a:rPr>
+                            <m:t>𝑠𝑡𝑎𝑡𝑖𝑜𝑛</m:t>
+                          </m:r>
+                        </m:sub>
+                      </m:sSub>
+                    </m:oMath>
+                  </a14:m>
+                  <a:r>
+                    <a:rPr lang="fr-FR" sz="701" dirty="0"/>
+                    <a:t>= </a:t>
+                  </a:r>
+                  <a:r>
+                    <a:rPr lang="fr-FR" sz="701" dirty="0" smtClean="0"/>
+                    <a:t>10,5%</a:t>
+                  </a:r>
+                  <a:endParaRPr lang="fr-FR" sz="701" dirty="0"/>
+                </a:p>
+                <a:p>
+                  <a:pPr algn="ctr"/>
+                  <a14:m>
+                    <m:oMath xmlns:m="http://schemas.openxmlformats.org/officeDocument/2006/math">
+                      <m:sSub>
+                        <m:sSubPr>
+                          <m:ctrlPr>
+                            <a:rPr lang="fr-FR" sz="701" i="1">
+                              <a:latin typeface="Cambria Math" panose="02040503050406030204" pitchFamily="18" charset="0"/>
+                            </a:rPr>
+                          </m:ctrlPr>
+                        </m:sSubPr>
+                        <m:e>
+                          <m:acc>
+                            <m:accPr>
+                              <m:chr m:val="̅"/>
+                              <m:ctrlPr>
+                                <a:rPr lang="fr-FR" sz="701" i="1">
+                                  <a:latin typeface="Cambria Math" panose="02040503050406030204" pitchFamily="18" charset="0"/>
+                                </a:rPr>
+                              </m:ctrlPr>
+                            </m:accPr>
+                            <m:e>
+                              <m:r>
+                                <a:rPr lang="fr-FR" sz="701" i="1">
+                                  <a:latin typeface="Cambria Math" panose="02040503050406030204" pitchFamily="18" charset="0"/>
+                                  <a:ea typeface="Cambria Math" panose="02040503050406030204" pitchFamily="18" charset="0"/>
+                                </a:rPr>
+                                <m:t>𝛼</m:t>
+                              </m:r>
+                            </m:e>
+                          </m:acc>
+                        </m:e>
+                        <m:sub>
+                          <m:r>
+                            <a:rPr lang="fr-FR" sz="701" i="1" dirty="0">
+                              <a:latin typeface="Cambria Math" panose="02040503050406030204" pitchFamily="18" charset="0"/>
+                            </a:rPr>
+                            <m:t>𝑠𝑡𝑎𝑡𝑖𝑜𝑛</m:t>
+                          </m:r>
+                        </m:sub>
+                      </m:sSub>
+                    </m:oMath>
+                  </a14:m>
+                  <a:r>
+                    <a:rPr lang="fr-FR" sz="701" dirty="0"/>
+                    <a:t>= </a:t>
+                  </a:r>
+                  <a:r>
+                    <a:rPr lang="fr-FR" sz="701" dirty="0" smtClean="0"/>
+                    <a:t>10.6%</a:t>
+                  </a:r>
+                  <a:endParaRPr lang="fr-FR" sz="701" dirty="0"/>
+                </a:p>
+              </p:txBody>
+            </p:sp>
+          </mc:Choice>
+          <mc:Fallback>
+            <p:sp>
+              <p:nvSpPr>
+                <p:cNvPr id="54" name="ZoneTexte 53"/>
+                <p:cNvSpPr txBox="1">
+                  <a:spLocks noRot="1" noChangeAspect="1" noMove="1" noResize="1" noEditPoints="1" noAdjustHandles="1" noChangeArrowheads="1" noChangeShapeType="1" noTextEdit="1"/>
+                </p:cNvSpPr>
+                <p:nvPr/>
+              </p:nvSpPr>
+              <p:spPr>
+                <a:xfrm>
+                  <a:off x="4353350" y="2983685"/>
+                  <a:ext cx="1071953" cy="418384"/>
+                </a:xfrm>
+                <a:prstGeom prst="rect">
+                  <a:avLst/>
+                </a:prstGeom>
+                <a:blipFill>
+                  <a:blip r:embed="rId16"/>
+                  <a:stretch>
+                    <a:fillRect b="-1449"/>
+                  </a:stretch>
+                </a:blipFill>
+              </p:spPr>
+              <p:txBody>
+                <a:bodyPr/>
+                <a:lstStyle/>
+                <a:p>
+                  <a:r>
+                    <a:rPr lang="fr-FR">
+                      <a:noFill/>
+                    </a:rPr>
+                    <a:t> </a:t>
+                  </a:r>
+                </a:p>
+              </p:txBody>
+            </p:sp>
+          </mc:Fallback>
+        </mc:AlternateContent>
+        <p:sp>
+          <p:nvSpPr>
+            <p:cNvPr id="57" name="Ellipse 56"/>
+            <p:cNvSpPr/>
+            <p:nvPr/>
+          </p:nvSpPr>
+          <p:spPr>
+            <a:xfrm>
+              <a:off x="4461553" y="2973462"/>
+              <a:ext cx="860552" cy="460131"/>
+            </a:xfrm>
+            <a:prstGeom prst="ellipse">
+              <a:avLst/>
+            </a:prstGeom>
+            <a:noFill/>
+            <a:ln w="12700">
+              <a:solidFill>
+                <a:srgbClr val="AC1F30"/>
+              </a:solidFill>
+            </a:ln>
+          </p:spPr>
+          <p:style>
+            <a:lnRef idx="1">
+              <a:schemeClr val="accent2"/>
+            </a:lnRef>
+            <a:fillRef idx="2">
+              <a:schemeClr val="accent2"/>
+            </a:fillRef>
+            <a:effectRef idx="1">
+              <a:schemeClr val="accent2"/>
+            </a:effectRef>
+            <a:fontRef idx="minor">
+              <a:schemeClr val="dk1"/>
+            </a:fontRef>
+          </p:style>
+          <p:txBody>
+            <a:bodyPr rtlCol="0" anchor="ctr"/>
+            <a:lstStyle/>
+            <a:p>
+              <a:pPr algn="ctr"/>
+              <a:endParaRPr lang="fr-FR" sz="701"/>
+            </a:p>
+          </p:txBody>
+        </p:sp>
+        <p:cxnSp>
+          <p:nvCxnSpPr>
+            <p:cNvPr id="66" name="Connecteur droit avec flèche 65"/>
+            <p:cNvCxnSpPr>
+              <a:stCxn id="4" idx="2"/>
+              <a:endCxn id="50" idx="0"/>
+            </p:cNvCxnSpPr>
+            <p:nvPr/>
+          </p:nvCxnSpPr>
+          <p:spPr>
+            <a:xfrm flipH="1">
+              <a:off x="3012401" y="677383"/>
+              <a:ext cx="1942181" cy="421702"/>
+            </a:xfrm>
+            <a:prstGeom prst="straightConnector1">
+              <a:avLst/>
+            </a:prstGeom>
+            <a:ln>
+              <a:tailEnd type="triangle"/>
+            </a:ln>
+          </p:spPr>
+          <p:style>
+            <a:lnRef idx="1">
+              <a:schemeClr val="dk1"/>
+            </a:lnRef>
+            <a:fillRef idx="0">
+              <a:schemeClr val="dk1"/>
+            </a:fillRef>
+            <a:effectRef idx="0">
+              <a:schemeClr val="dk1"/>
+            </a:effectRef>
+            <a:fontRef idx="minor">
+              <a:schemeClr val="tx1"/>
+            </a:fontRef>
+          </p:style>
+        </p:cxnSp>
+        <p:pic>
+          <p:nvPicPr>
+            <p:cNvPr id="61" name="Espace réservé du contenu 5"/>
+            <p:cNvPicPr>
+              <a:picLocks noChangeAspect="1"/>
+            </p:cNvPicPr>
+            <p:nvPr/>
+          </p:nvPicPr>
+          <p:blipFill rotWithShape="1">
+            <a:blip r:embed="rId17" cstate="print">
+              <a:extLst>
+                <a:ext uri="{28A0092B-C50C-407E-A947-70E740481C1C}">
+                  <a14:useLocalDpi xmlns:a14="http://schemas.microsoft.com/office/drawing/2010/main" val="0"/>
+                </a:ext>
+              </a:extLst>
+            </a:blip>
+            <a:srcRect l="1057" t="29868" r="50282" b="45340"/>
+            <a:stretch/>
+          </p:blipFill>
+          <p:spPr>
+            <a:xfrm>
+              <a:off x="2559447" y="1238834"/>
+              <a:ext cx="893922" cy="644092"/>
+            </a:xfrm>
+            <a:prstGeom prst="rect">
+              <a:avLst/>
+            </a:prstGeom>
+          </p:spPr>
+        </p:pic>
+        <p:pic>
+          <p:nvPicPr>
+            <p:cNvPr id="62" name="Espace réservé du contenu 5"/>
+            <p:cNvPicPr>
+              <a:picLocks noChangeAspect="1"/>
+            </p:cNvPicPr>
+            <p:nvPr/>
+          </p:nvPicPr>
+          <p:blipFill rotWithShape="1">
+            <a:blip r:embed="rId18" cstate="print">
+              <a:extLst>
+                <a:ext uri="{28A0092B-C50C-407E-A947-70E740481C1C}">
+                  <a14:useLocalDpi xmlns:a14="http://schemas.microsoft.com/office/drawing/2010/main" val="0"/>
+                </a:ext>
+              </a:extLst>
+            </a:blip>
+            <a:srcRect l="25707" t="55562" r="25844" b="19646"/>
+            <a:stretch/>
+          </p:blipFill>
+          <p:spPr>
+            <a:xfrm>
+              <a:off x="4486156" y="1244071"/>
+              <a:ext cx="881126" cy="637657"/>
+            </a:xfrm>
+            <a:prstGeom prst="rect">
+              <a:avLst/>
+            </a:prstGeom>
+          </p:spPr>
+        </p:pic>
+        <p:pic>
+          <p:nvPicPr>
+            <p:cNvPr id="63" name="Espace réservé du contenu 5"/>
+            <p:cNvPicPr>
+              <a:picLocks noChangeAspect="1"/>
+            </p:cNvPicPr>
+            <p:nvPr/>
+          </p:nvPicPr>
+          <p:blipFill rotWithShape="1">
+            <a:blip r:embed="rId19" cstate="print">
+              <a:extLst>
+                <a:ext uri="{28A0092B-C50C-407E-A947-70E740481C1C}">
+                  <a14:useLocalDpi xmlns:a14="http://schemas.microsoft.com/office/drawing/2010/main" val="0"/>
+                </a:ext>
+              </a:extLst>
+            </a:blip>
+            <a:srcRect l="50994" t="2672" r="-81" b="72836"/>
+            <a:stretch/>
+          </p:blipFill>
+          <p:spPr>
+            <a:xfrm>
+              <a:off x="6380072" y="1249747"/>
+              <a:ext cx="897080" cy="633004"/>
+            </a:xfrm>
+            <a:prstGeom prst="rect">
+              <a:avLst/>
+            </a:prstGeom>
+          </p:spPr>
+        </p:pic>
+        <p:pic>
+          <p:nvPicPr>
+            <p:cNvPr id="64" name="Espace réservé du contenu 5"/>
+            <p:cNvPicPr>
+              <a:picLocks noChangeAspect="1"/>
+            </p:cNvPicPr>
+            <p:nvPr/>
+          </p:nvPicPr>
+          <p:blipFill rotWithShape="1">
+            <a:blip r:embed="rId20" cstate="print">
+              <a:extLst>
+                <a:ext uri="{28A0092B-C50C-407E-A947-70E740481C1C}">
+                  <a14:useLocalDpi xmlns:a14="http://schemas.microsoft.com/office/drawing/2010/main" val="0"/>
+                </a:ext>
+              </a:extLst>
+            </a:blip>
+            <a:srcRect l="632" t="2521" r="50282" b="72836"/>
+            <a:stretch/>
+          </p:blipFill>
+          <p:spPr>
+            <a:xfrm>
+              <a:off x="5413944" y="1243198"/>
+              <a:ext cx="891365" cy="632978"/>
+            </a:xfrm>
+            <a:prstGeom prst="rect">
+              <a:avLst/>
+            </a:prstGeom>
+          </p:spPr>
+        </p:pic>
+        <p:pic>
+          <p:nvPicPr>
+            <p:cNvPr id="65" name="Espace réservé du contenu 5"/>
+            <p:cNvPicPr>
+              <a:picLocks noChangeAspect="1"/>
+            </p:cNvPicPr>
+            <p:nvPr/>
+          </p:nvPicPr>
+          <p:blipFill rotWithShape="1">
+            <a:blip r:embed="rId21" cstate="print">
+              <a:extLst>
+                <a:ext uri="{28A0092B-C50C-407E-A947-70E740481C1C}">
+                  <a14:useLocalDpi xmlns:a14="http://schemas.microsoft.com/office/drawing/2010/main" val="0"/>
+                </a:ext>
+              </a:extLst>
+            </a:blip>
+            <a:srcRect l="50356" t="30018" r="558" b="45340"/>
+            <a:stretch/>
+          </p:blipFill>
+          <p:spPr>
+            <a:xfrm>
+              <a:off x="3516453" y="1238835"/>
+              <a:ext cx="910143" cy="646162"/>
+            </a:xfrm>
+            <a:prstGeom prst="rect">
+              <a:avLst/>
+            </a:prstGeom>
+          </p:spPr>
+        </p:pic>
+      </p:grpSp>
+    </p:spTree>
+    <p:extLst>
+      <p:ext uri="{BB962C8B-B14F-4D97-AF65-F5344CB8AC3E}">
+        <p14:creationId xmlns:p14="http://schemas.microsoft.com/office/powerpoint/2010/main" val="3458758593"/>
+      </p:ext>
+    </p:extLst>
+  </p:cSld>
+  <p:clrMapOvr>
+    <a:masterClrMapping/>
+  </p:clrMapOvr>
+  <p:timing>
+    <p:tnLst>
+      <p:par>
+        <p:cTn id="1" dur="indefinite" restart="never" nodeType="tmRoot"/>
+      </p:par>
+    </p:tnLst>
+  </p:timing>
+</p:sld>
+</file>
+
+<file path=ppt/slides/slide3.xml><?xml version="1.0" encoding="utf-8"?>
+<p:sld xmlns:a="http://schemas.openxmlformats.org/drawingml/2006/main" xmlns:r="http://schemas.openxmlformats.org/officeDocument/2006/relationships" xmlns:p="http://schemas.openxmlformats.org/presentationml/2006/main">
+  <p:cSld>
+    <p:spTree>
+      <p:nvGrpSpPr>
+        <p:cNvPr id="1" name=""/>
+        <p:cNvGrpSpPr/>
+        <p:nvPr/>
+      </p:nvGrpSpPr>
+      <p:grpSpPr>
+        <a:xfrm>
+          <a:off x="0" y="0"/>
+          <a:ext cx="0" cy="0"/>
+          <a:chOff x="0" y="0"/>
+          <a:chExt cx="0" cy="0"/>
+        </a:xfrm>
+      </p:grpSpPr>
       <p:sp>
         <p:nvSpPr>
           <p:cNvPr id="80" name="Ellipse 79"/>
@@ -13534,14 +17340,7 @@
                     <a:latin typeface="Times New Roman" panose="02020603050405020304" pitchFamily="18" charset="0"/>
                     <a:cs typeface="Times New Roman" panose="02020603050405020304" pitchFamily="18" charset="0"/>
                   </a:rPr>
-                  <a:t>South-West </a:t>
-                </a:r>
-                <a:r>
-                  <a:rPr lang="fr-FR" sz="1100" b="1" dirty="0" smtClean="0">
-                    <a:latin typeface="Times New Roman" panose="02020603050405020304" pitchFamily="18" charset="0"/>
-                    <a:cs typeface="Times New Roman" panose="02020603050405020304" pitchFamily="18" charset="0"/>
-                  </a:rPr>
-                  <a:t>Pacific</a:t>
+                  <a:t>South-West Pacific</a:t>
                 </a:r>
                 <a:endParaRPr lang="fr-FR" sz="1100" b="1" dirty="0">
                   <a:latin typeface="Times New Roman" panose="02020603050405020304" pitchFamily="18" charset="0"/>
